--- a/model/モデルシート(ver奥山).pptx
+++ b/model/モデルシート(ver奥山).pptx
@@ -10,9 +10,10 @@
     <p:sldId id="258" r:id="rId4"/>
     <p:sldId id="259" r:id="rId5"/>
     <p:sldId id="260" r:id="rId6"/>
+    <p:sldId id="261" r:id="rId7"/>
   </p:sldIdLst>
   <p:sldSz cx="9144000" cy="6858000" type="screen4x3"/>
-  <p:notesSz cx="6858000" cy="9144000"/>
+  <p:notesSz cx="6735763" cy="9866313"/>
   <p:defaultTextStyle>
     <a:defPPr>
       <a:defRPr lang="ja-JP"/>
@@ -247,7 +248,7 @@
           <a:p>
             <a:fld id="{1D063AC1-C124-4785-98D1-11CFD963530E}" type="datetimeFigureOut">
               <a:rPr kumimoji="1" lang="ja-JP" altLang="en-US" smtClean="0"/>
-              <a:t>2017/8/22</a:t>
+              <a:t>2017/8/24</a:t>
             </a:fld>
             <a:endParaRPr kumimoji="1" lang="ja-JP" altLang="en-US"/>
           </a:p>
@@ -449,7 +450,7 @@
           <a:p>
             <a:fld id="{1D063AC1-C124-4785-98D1-11CFD963530E}" type="datetimeFigureOut">
               <a:rPr kumimoji="1" lang="ja-JP" altLang="en-US" smtClean="0"/>
-              <a:t>2017/8/22</a:t>
+              <a:t>2017/8/24</a:t>
             </a:fld>
             <a:endParaRPr kumimoji="1" lang="ja-JP" altLang="en-US"/>
           </a:p>
@@ -661,7 +662,7 @@
           <a:p>
             <a:fld id="{1D063AC1-C124-4785-98D1-11CFD963530E}" type="datetimeFigureOut">
               <a:rPr kumimoji="1" lang="ja-JP" altLang="en-US" smtClean="0"/>
-              <a:t>2017/8/22</a:t>
+              <a:t>2017/8/24</a:t>
             </a:fld>
             <a:endParaRPr kumimoji="1" lang="ja-JP" altLang="en-US"/>
           </a:p>
@@ -863,7 +864,7 @@
           <a:p>
             <a:fld id="{1D063AC1-C124-4785-98D1-11CFD963530E}" type="datetimeFigureOut">
               <a:rPr kumimoji="1" lang="ja-JP" altLang="en-US" smtClean="0"/>
-              <a:t>2017/8/22</a:t>
+              <a:t>2017/8/24</a:t>
             </a:fld>
             <a:endParaRPr kumimoji="1" lang="ja-JP" altLang="en-US"/>
           </a:p>
@@ -1107,7 +1108,7 @@
           <a:p>
             <a:fld id="{1D063AC1-C124-4785-98D1-11CFD963530E}" type="datetimeFigureOut">
               <a:rPr kumimoji="1" lang="ja-JP" altLang="en-US" smtClean="0"/>
-              <a:t>2017/8/22</a:t>
+              <a:t>2017/8/24</a:t>
             </a:fld>
             <a:endParaRPr kumimoji="1" lang="ja-JP" altLang="en-US"/>
           </a:p>
@@ -1403,7 +1404,7 @@
           <a:p>
             <a:fld id="{1D063AC1-C124-4785-98D1-11CFD963530E}" type="datetimeFigureOut">
               <a:rPr kumimoji="1" lang="ja-JP" altLang="en-US" smtClean="0"/>
-              <a:t>2017/8/22</a:t>
+              <a:t>2017/8/24</a:t>
             </a:fld>
             <a:endParaRPr kumimoji="1" lang="ja-JP" altLang="en-US"/>
           </a:p>
@@ -1834,7 +1835,7 @@
           <a:p>
             <a:fld id="{1D063AC1-C124-4785-98D1-11CFD963530E}" type="datetimeFigureOut">
               <a:rPr kumimoji="1" lang="ja-JP" altLang="en-US" smtClean="0"/>
-              <a:t>2017/8/22</a:t>
+              <a:t>2017/8/24</a:t>
             </a:fld>
             <a:endParaRPr kumimoji="1" lang="ja-JP" altLang="en-US"/>
           </a:p>
@@ -1952,7 +1953,7 @@
           <a:p>
             <a:fld id="{1D063AC1-C124-4785-98D1-11CFD963530E}" type="datetimeFigureOut">
               <a:rPr kumimoji="1" lang="ja-JP" altLang="en-US" smtClean="0"/>
-              <a:t>2017/8/22</a:t>
+              <a:t>2017/8/24</a:t>
             </a:fld>
             <a:endParaRPr kumimoji="1" lang="ja-JP" altLang="en-US"/>
           </a:p>
@@ -2047,7 +2048,7 @@
           <a:p>
             <a:fld id="{1D063AC1-C124-4785-98D1-11CFD963530E}" type="datetimeFigureOut">
               <a:rPr kumimoji="1" lang="ja-JP" altLang="en-US" smtClean="0"/>
-              <a:t>2017/8/22</a:t>
+              <a:t>2017/8/24</a:t>
             </a:fld>
             <a:endParaRPr kumimoji="1" lang="ja-JP" altLang="en-US"/>
           </a:p>
@@ -2356,7 +2357,7 @@
           <a:p>
             <a:fld id="{1D063AC1-C124-4785-98D1-11CFD963530E}" type="datetimeFigureOut">
               <a:rPr kumimoji="1" lang="ja-JP" altLang="en-US" smtClean="0"/>
-              <a:t>2017/8/22</a:t>
+              <a:t>2017/8/24</a:t>
             </a:fld>
             <a:endParaRPr kumimoji="1" lang="ja-JP" altLang="en-US"/>
           </a:p>
@@ -2613,7 +2614,7 @@
           <a:p>
             <a:fld id="{1D063AC1-C124-4785-98D1-11CFD963530E}" type="datetimeFigureOut">
               <a:rPr kumimoji="1" lang="ja-JP" altLang="en-US" smtClean="0"/>
-              <a:t>2017/8/22</a:t>
+              <a:t>2017/8/24</a:t>
             </a:fld>
             <a:endParaRPr kumimoji="1" lang="ja-JP" altLang="en-US"/>
           </a:p>
@@ -2858,7 +2859,7 @@
           <a:p>
             <a:fld id="{1D063AC1-C124-4785-98D1-11CFD963530E}" type="datetimeFigureOut">
               <a:rPr kumimoji="1" lang="ja-JP" altLang="en-US" smtClean="0"/>
-              <a:t>2017/8/22</a:t>
+              <a:t>2017/8/24</a:t>
             </a:fld>
             <a:endParaRPr kumimoji="1" lang="ja-JP" altLang="en-US"/>
           </a:p>
@@ -3419,7 +3420,7 @@
         <p:spPr>
           <a:xfrm>
             <a:off x="3179427" y="118989"/>
-            <a:ext cx="5660691" cy="917901"/>
+            <a:ext cx="5660691" cy="759901"/>
           </a:xfrm>
           <a:prstGeom prst="roundRect">
             <a:avLst/>
@@ -3469,7 +3470,17 @@
                 <a:latin typeface="游ゴシック" panose="020B0400000000000000" pitchFamily="50" charset="-128"/>
                 <a:ea typeface="游ゴシック" panose="020B0400000000000000" pitchFamily="50" charset="-128"/>
               </a:rPr>
-              <a:t>選択課題              </a:t>
+              <a:t>選択課題     </a:t>
+            </a:r>
+            <a:r>
+              <a:rPr lang="ja-JP" altLang="en-US" sz="1500" dirty="0" smtClean="0">
+                <a:solidFill>
+                  <a:schemeClr val="bg1"/>
+                </a:solidFill>
+                <a:latin typeface="游ゴシック" panose="020B0400000000000000" pitchFamily="50" charset="-128"/>
+                <a:ea typeface="游ゴシック" panose="020B0400000000000000" pitchFamily="50" charset="-128"/>
+              </a:rPr>
+              <a:t> </a:t>
             </a:r>
             <a:r>
               <a:rPr lang="en-US" altLang="ja-JP" sz="1500" dirty="0">
@@ -3522,7 +3533,17 @@
                 <a:latin typeface="游ゴシック" panose="020B0400000000000000" pitchFamily="50" charset="-128"/>
                 <a:ea typeface="游ゴシック" panose="020B0400000000000000" pitchFamily="50" charset="-128"/>
               </a:rPr>
-              <a:t>目標              　　</a:t>
+              <a:t>目標          </a:t>
+            </a:r>
+            <a:r>
+              <a:rPr lang="ja-JP" altLang="en-US" sz="1500" dirty="0" smtClean="0">
+                <a:solidFill>
+                  <a:schemeClr val="bg1"/>
+                </a:solidFill>
+                <a:latin typeface="游ゴシック" panose="020B0400000000000000" pitchFamily="50" charset="-128"/>
+                <a:ea typeface="游ゴシック" panose="020B0400000000000000" pitchFamily="50" charset="-128"/>
+              </a:rPr>
+              <a:t>   </a:t>
             </a:r>
             <a:r>
               <a:rPr lang="en-US" altLang="ja-JP" sz="1500" dirty="0" smtClean="0">
@@ -3545,7 +3566,20 @@
                 <a:latin typeface="游ゴシック" panose="020B0400000000000000" pitchFamily="50" charset="-128"/>
                 <a:ea typeface="游ゴシック" panose="020B0400000000000000" pitchFamily="50" charset="-128"/>
               </a:rPr>
-              <a:t>どんなコースでも変わらない走りを</a:t>
+              <a:t>どんなコース</a:t>
+            </a:r>
+            <a:r>
+              <a:rPr lang="ja-JP" altLang="en-US" sz="1500" b="1" dirty="0" smtClean="0">
+                <a:solidFill>
+                  <a:schemeClr val="accent4">
+                    <a:lumMod val="60000"/>
+                    <a:lumOff val="40000"/>
+                  </a:schemeClr>
+                </a:solidFill>
+                <a:latin typeface="游ゴシック" panose="020B0400000000000000" pitchFamily="50" charset="-128"/>
+                <a:ea typeface="游ゴシック" panose="020B0400000000000000" pitchFamily="50" charset="-128"/>
+              </a:rPr>
+              <a:t>でもゴールできる走りを実現する。</a:t>
             </a:r>
             <a:r>
               <a:rPr lang="ja-JP" altLang="en-US" b="1" dirty="0">
@@ -3558,7 +3592,7 @@
                 <a:latin typeface="游ゴシック" panose="020B0400000000000000" pitchFamily="50" charset="-128"/>
                 <a:ea typeface="游ゴシック" panose="020B0400000000000000" pitchFamily="50" charset="-128"/>
               </a:rPr>
-              <a:t>。　　　　 </a:t>
+              <a:t>　　　　 </a:t>
             </a:r>
             <a:endParaRPr lang="en-US" altLang="ja-JP" b="1" dirty="0">
               <a:solidFill>
@@ -3570,41 +3604,6 @@
               <a:latin typeface="游ゴシック" panose="020B0400000000000000" pitchFamily="50" charset="-128"/>
               <a:ea typeface="游ゴシック" panose="020B0400000000000000" pitchFamily="50" charset="-128"/>
             </a:endParaRPr>
-          </a:p>
-          <a:p>
-            <a:r>
-              <a:rPr lang="ja-JP" altLang="en-US" sz="1500" dirty="0">
-                <a:solidFill>
-                  <a:schemeClr val="bg1"/>
-                </a:solidFill>
-                <a:latin typeface="游ゴシック" panose="020B0400000000000000" pitchFamily="50" charset="-128"/>
-                <a:ea typeface="游ゴシック" panose="020B0400000000000000" pitchFamily="50" charset="-128"/>
-              </a:rPr>
-              <a:t>シートコンセプト </a:t>
-            </a:r>
-            <a:r>
-              <a:rPr lang="en-US" altLang="ja-JP" dirty="0">
-                <a:solidFill>
-                  <a:schemeClr val="bg1"/>
-                </a:solidFill>
-                <a:latin typeface="游ゴシック" panose="020B0400000000000000" pitchFamily="50" charset="-128"/>
-                <a:ea typeface="游ゴシック" panose="020B0400000000000000" pitchFamily="50" charset="-128"/>
-              </a:rPr>
-              <a:t>: </a:t>
-            </a:r>
-            <a:r>
-              <a:rPr lang="ja-JP" altLang="en-US" sz="1500" b="1" dirty="0">
-                <a:solidFill>
-                  <a:schemeClr val="accent4">
-                    <a:lumMod val="60000"/>
-                    <a:lumOff val="40000"/>
-                  </a:schemeClr>
-                </a:solidFill>
-                <a:latin typeface="游ゴシック" panose="020B0400000000000000" pitchFamily="50" charset="-128"/>
-                <a:ea typeface="游ゴシック" panose="020B0400000000000000" pitchFamily="50" charset="-128"/>
-              </a:rPr>
-              <a:t>中学生に見せるつもりで。</a:t>
-            </a:r>
           </a:p>
         </p:txBody>
       </p:sp>
@@ -3664,16 +3663,16 @@
           </a:p>
           <a:p>
             <a:r>
-              <a:rPr lang="ja-JP" altLang="en-US" sz="1350" b="1" dirty="0">
+              <a:rPr lang="ja-JP" altLang="en-US" sz="1000" b="1" dirty="0" smtClean="0">
                 <a:solidFill>
                   <a:schemeClr val="accent1"/>
                 </a:solidFill>
                 <a:latin typeface="游ゴシック" panose="020B0400000000000000" pitchFamily="50" charset="-128"/>
                 <a:ea typeface="游ゴシック" panose="020B0400000000000000" pitchFamily="50" charset="-128"/>
               </a:rPr>
-              <a:t>走行戦略の設定</a:t>
-            </a:r>
-            <a:endParaRPr lang="en-US" altLang="ja-JP" sz="1350" b="1" dirty="0">
+              <a:t>要件定義と走行戦略</a:t>
+            </a:r>
+            <a:endParaRPr lang="en-US" altLang="ja-JP" sz="1000" b="1" dirty="0">
               <a:solidFill>
                 <a:schemeClr val="accent1"/>
               </a:solidFill>
@@ -3683,17 +3682,46 @@
           </a:p>
           <a:p>
             <a:r>
-              <a:rPr lang="ja-JP" altLang="en-US" sz="1050" dirty="0">
+              <a:rPr lang="en-US" altLang="ja-JP" sz="1050" dirty="0" smtClean="0">
                 <a:solidFill>
                   <a:schemeClr val="tx1"/>
                 </a:solidFill>
                 <a:latin typeface="游ゴシック" panose="020B0400000000000000" pitchFamily="50" charset="-128"/>
                 <a:ea typeface="游ゴシック" panose="020B0400000000000000" pitchFamily="50" charset="-128"/>
               </a:rPr>
-              <a:t>開発目標を達成するために、必要となることを考えました</a:t>
-            </a:r>
-            <a:r>
-              <a:rPr lang="ja-JP" altLang="en-US" sz="1050" dirty="0" smtClean="0">
+              <a:t/>
+            </a:r>
+            <a:br>
+              <a:rPr lang="en-US" altLang="ja-JP" sz="1050" dirty="0" smtClean="0">
+                <a:solidFill>
+                  <a:schemeClr val="tx1"/>
+                </a:solidFill>
+                <a:latin typeface="游ゴシック" panose="020B0400000000000000" pitchFamily="50" charset="-128"/>
+                <a:ea typeface="游ゴシック" panose="020B0400000000000000" pitchFamily="50" charset="-128"/>
+              </a:rPr>
+            </a:br>
+            <a:r>
+              <a:rPr lang="ja-JP" altLang="en-US" sz="800" dirty="0" smtClean="0">
+                <a:solidFill>
+                  <a:schemeClr val="tx1"/>
+                </a:solidFill>
+                <a:latin typeface="游ゴシック" panose="020B0400000000000000" pitchFamily="50" charset="-128"/>
+                <a:ea typeface="游ゴシック" panose="020B0400000000000000" pitchFamily="50" charset="-128"/>
+              </a:rPr>
+              <a:t>要件を分析・定義し</a:t>
+            </a:r>
+            <a:r>
+              <a:rPr lang="ja-JP" altLang="en-US" sz="800" dirty="0" smtClean="0">
+                <a:solidFill>
+                  <a:schemeClr val="tx1"/>
+                </a:solidFill>
+                <a:latin typeface="游ゴシック" panose="020B0400000000000000" pitchFamily="50" charset="-128"/>
+                <a:ea typeface="游ゴシック" panose="020B0400000000000000" pitchFamily="50" charset="-128"/>
+              </a:rPr>
+              <a:t>、走行戦略を考えました</a:t>
+            </a:r>
+            <a:r>
+              <a:rPr lang="ja-JP" altLang="en-US" sz="800" dirty="0" smtClean="0">
                 <a:solidFill>
                   <a:schemeClr val="tx1"/>
                 </a:solidFill>
@@ -3702,16 +3730,7 @@
               </a:rPr>
               <a:t>。</a:t>
             </a:r>
-            <a:endParaRPr lang="en-US" altLang="ja-JP" sz="1050" dirty="0" smtClean="0">
-              <a:solidFill>
-                <a:schemeClr val="tx1"/>
-              </a:solidFill>
-              <a:latin typeface="游ゴシック" panose="020B0400000000000000" pitchFamily="50" charset="-128"/>
-              <a:ea typeface="游ゴシック" panose="020B0400000000000000" pitchFamily="50" charset="-128"/>
-            </a:endParaRPr>
-          </a:p>
-          <a:p>
-            <a:endParaRPr lang="en-US" altLang="ja-JP" sz="1050" dirty="0" smtClean="0">
+            <a:endParaRPr lang="en-US" altLang="ja-JP" sz="800" dirty="0" smtClean="0">
               <a:solidFill>
                 <a:schemeClr val="tx1"/>
               </a:solidFill>
@@ -3793,14 +3812,14 @@
           <p:nvPr>
             <p:extLst>
               <p:ext uri="{D42A27DB-BD31-4B8C-83A1-F6EECF244321}">
-                <p14:modId xmlns:p14="http://schemas.microsoft.com/office/powerpoint/2010/main" val="3175815703"/>
+                <p14:modId xmlns:p14="http://schemas.microsoft.com/office/powerpoint/2010/main" val="2413878243"/>
               </p:ext>
             </p:extLst>
           </p:nvPr>
         </p:nvGraphicFramePr>
         <p:xfrm>
-          <a:off x="129118" y="2150757"/>
-          <a:ext cx="2462614" cy="996216"/>
+          <a:off x="82419" y="2005218"/>
+          <a:ext cx="1395862" cy="844818"/>
         </p:xfrm>
         <a:graphic>
           <a:graphicData uri="http://schemas.openxmlformats.org/drawingml/2006/table">
@@ -3816,10 +3835,9 @@
                 <a:tableStyleId>{5C22544A-7EE6-4342-B048-85BDC9FD1C3A}</a:tableStyleId>
               </a:tblPr>
               <a:tblGrid>
-                <a:gridCol w="1231307"/>
-                <a:gridCol w="1231307"/>
+                <a:gridCol w="1395862"/>
               </a:tblGrid>
-              <a:tr h="265337">
+              <a:tr h="157497">
                 <a:tc>
                   <a:txBody>
                     <a:bodyPr/>
@@ -3831,28 +3849,7 @@
                           <a:latin typeface="游ゴシック" panose="020B0400000000000000" pitchFamily="50" charset="-128"/>
                           <a:ea typeface="游ゴシック" panose="020B0400000000000000" pitchFamily="50" charset="-128"/>
                         </a:rPr>
-                        <a:t>開発目標の達成に必要なこと</a:t>
-                      </a:r>
-                      <a:endParaRPr kumimoji="1" lang="ja-JP" altLang="en-US" sz="800" dirty="0">
-                        <a:latin typeface="游ゴシック" panose="020B0400000000000000" pitchFamily="50" charset="-128"/>
-                        <a:ea typeface="游ゴシック" panose="020B0400000000000000" pitchFamily="50" charset="-128"/>
-                      </a:endParaRPr>
-                    </a:p>
-                  </a:txBody>
-                  <a:tcPr marL="68580" marR="68580" marT="34290" marB="34290" anchor="ctr"/>
-                </a:tc>
-                <a:tc>
-                  <a:txBody>
-                    <a:bodyPr/>
-                    <a:lstStyle/>
-                    <a:p>
-                      <a:pPr lvl="0" algn="ctr"/>
-                      <a:r>
-                        <a:rPr kumimoji="1" lang="ja-JP" altLang="en-US" sz="800" dirty="0" smtClean="0">
-                          <a:latin typeface="游ゴシック" panose="020B0400000000000000" pitchFamily="50" charset="-128"/>
-                          <a:ea typeface="游ゴシック" panose="020B0400000000000000" pitchFamily="50" charset="-128"/>
-                        </a:rPr>
-                        <a:t>走行戦略</a:t>
+                        <a:t>要件</a:t>
                       </a:r>
                       <a:endParaRPr kumimoji="1" lang="ja-JP" altLang="en-US" sz="800" dirty="0">
                         <a:latin typeface="游ゴシック" panose="020B0400000000000000" pitchFamily="50" charset="-128"/>
@@ -3863,7 +3860,7 @@
                   <a:tcPr marL="68580" marR="68580" marT="34290" marB="34290" anchor="ctr"/>
                 </a:tc>
               </a:tr>
-              <a:tr h="341898">
+              <a:tr h="237741">
                 <a:tc>
                   <a:txBody>
                     <a:bodyPr/>
@@ -3876,36 +3873,8 @@
                     </a:p>
                     <a:p>
                       <a:r>
-                        <a:rPr kumimoji="1" lang="en-US" altLang="ja-JP" sz="800" b="1" dirty="0" smtClean="0"/>
-                        <a:t>100%</a:t>
-                      </a:r>
-                      <a:r>
                         <a:rPr kumimoji="1" lang="ja-JP" altLang="en-US" sz="800" b="1" dirty="0" smtClean="0"/>
-                        <a:t>完走できる。</a:t>
-                      </a:r>
-                      <a:endParaRPr kumimoji="1" lang="ja-JP" altLang="en-US" sz="800" b="1" dirty="0"/>
-                    </a:p>
-                  </a:txBody>
-                  <a:tcPr marL="68580" marR="68580" marT="34290" marB="34290">
-                    <a:solidFill>
-                      <a:srgbClr val="FFCCFF"/>
-                    </a:solidFill>
-                  </a:tcPr>
-                </a:tc>
-                <a:tc>
-                  <a:txBody>
-                    <a:bodyPr/>
-                    <a:lstStyle/>
-                    <a:p>
-                      <a:r>
-                        <a:rPr kumimoji="1" lang="en-US" altLang="ja-JP" sz="800" b="1" dirty="0" smtClean="0"/>
-                        <a:t>A – 1.</a:t>
-                      </a:r>
-                    </a:p>
-                    <a:p>
-                      <a:r>
-                        <a:rPr kumimoji="1" lang="ja-JP" altLang="en-US" sz="800" b="1" dirty="0" smtClean="0"/>
-                        <a:t>ラインにそって走行する。</a:t>
+                        <a:t>完走する。</a:t>
                       </a:r>
                       <a:endParaRPr kumimoji="1" lang="ja-JP" altLang="en-US" sz="800" b="1" dirty="0"/>
                     </a:p>
@@ -3931,53 +3900,9 @@
                     <a:p>
                       <a:r>
                         <a:rPr kumimoji="1" lang="ja-JP" altLang="en-US" sz="800" b="1" dirty="0" smtClean="0"/>
-                        <a:t>安定したスタートができる。</a:t>
+                        <a:t>安定したスタートをする。</a:t>
                       </a:r>
                       <a:endParaRPr kumimoji="1" lang="ja-JP" altLang="en-US" sz="800" b="1" dirty="0"/>
-                    </a:p>
-                  </a:txBody>
-                  <a:tcPr marL="68580" marR="68580" marT="34290" marB="34290">
-                    <a:solidFill>
-                      <a:srgbClr val="CCECFF"/>
-                    </a:solidFill>
-                  </a:tcPr>
-                </a:tc>
-                <a:tc>
-                  <a:txBody>
-                    <a:bodyPr/>
-                    <a:lstStyle/>
-                    <a:p>
-                      <a:r>
-                        <a:rPr kumimoji="1" lang="en-US" altLang="ja-JP" sz="800" b="1" dirty="0" smtClean="0"/>
-                        <a:t>B – 1.</a:t>
-                      </a:r>
-                    </a:p>
-                    <a:p>
-                      <a:pPr marL="0" marR="0" lvl="0" indent="0" algn="l" defTabSz="914400" rtl="0" eaLnBrk="1" fontAlgn="auto" latinLnBrk="0" hangingPunct="1">
-                        <a:lnSpc>
-                          <a:spcPct val="100000"/>
-                        </a:lnSpc>
-                        <a:spcBef>
-                          <a:spcPts val="0"/>
-                        </a:spcBef>
-                        <a:spcAft>
-                          <a:spcPts val="0"/>
-                        </a:spcAft>
-                        <a:buClrTx/>
-                        <a:buSzTx/>
-                        <a:buFontTx/>
-                        <a:buNone/>
-                        <a:tabLst/>
-                        <a:defRPr/>
-                      </a:pPr>
-                      <a:r>
-                        <a:rPr kumimoji="1" lang="en-US" altLang="ja-JP" sz="800" b="1" dirty="0" smtClean="0"/>
-                        <a:t>Bluetooth</a:t>
-                      </a:r>
-                      <a:r>
-                        <a:rPr kumimoji="1" lang="ja-JP" altLang="en-US" sz="800" b="1" dirty="0" smtClean="0"/>
-                        <a:t>によるスタート。</a:t>
-                      </a:r>
                     </a:p>
                   </a:txBody>
                   <a:tcPr marL="68580" marR="68580" marT="34290" marB="34290">
@@ -4045,291 +3970,6 @@
               <a:ea typeface="游ゴシック" panose="020B0400000000000000" pitchFamily="50" charset="-128"/>
             </a:endParaRPr>
           </a:p>
-          <a:p>
-            <a:r>
-              <a:rPr lang="ja-JP" altLang="en-US" sz="1350" b="1" dirty="0">
-                <a:solidFill>
-                  <a:schemeClr val="accent1"/>
-                </a:solidFill>
-                <a:latin typeface="游ゴシック" panose="020B0400000000000000" pitchFamily="50" charset="-128"/>
-                <a:ea typeface="游ゴシック" panose="020B0400000000000000" pitchFamily="50" charset="-128"/>
-              </a:rPr>
-              <a:t>走行戦略の概要</a:t>
-            </a:r>
-            <a:endParaRPr lang="en-US" altLang="ja-JP" sz="1350" b="1" dirty="0">
-              <a:solidFill>
-                <a:schemeClr val="accent1"/>
-              </a:solidFill>
-              <a:latin typeface="游ゴシック" panose="020B0400000000000000" pitchFamily="50" charset="-128"/>
-              <a:ea typeface="游ゴシック" panose="020B0400000000000000" pitchFamily="50" charset="-128"/>
-            </a:endParaRPr>
-          </a:p>
-          <a:p>
-            <a:r>
-              <a:rPr lang="en-US" altLang="ja-JP" sz="1050" b="1" dirty="0">
-                <a:solidFill>
-                  <a:srgbClr val="C00000"/>
-                </a:solidFill>
-                <a:latin typeface="游ゴシック" panose="020B0400000000000000" pitchFamily="50" charset="-128"/>
-                <a:ea typeface="游ゴシック" panose="020B0400000000000000" pitchFamily="50" charset="-128"/>
-              </a:rPr>
-              <a:t>A – 1. </a:t>
-            </a:r>
-            <a:r>
-              <a:rPr lang="ja-JP" altLang="en-US" sz="1050" b="1" dirty="0">
-                <a:solidFill>
-                  <a:srgbClr val="C00000"/>
-                </a:solidFill>
-                <a:latin typeface="游ゴシック" panose="020B0400000000000000" pitchFamily="50" charset="-128"/>
-                <a:ea typeface="游ゴシック" panose="020B0400000000000000" pitchFamily="50" charset="-128"/>
-              </a:rPr>
-              <a:t>ラインにそって走行する。</a:t>
-            </a:r>
-            <a:endParaRPr lang="en-US" altLang="ja-JP" sz="1050" b="1" dirty="0">
-              <a:solidFill>
-                <a:srgbClr val="C00000"/>
-              </a:solidFill>
-              <a:latin typeface="游ゴシック" panose="020B0400000000000000" pitchFamily="50" charset="-128"/>
-              <a:ea typeface="游ゴシック" panose="020B0400000000000000" pitchFamily="50" charset="-128"/>
-            </a:endParaRPr>
-          </a:p>
-          <a:p>
-            <a:endParaRPr lang="en-US" altLang="ja-JP" sz="1050" dirty="0">
-              <a:solidFill>
-                <a:srgbClr val="C00000"/>
-              </a:solidFill>
-              <a:latin typeface="游ゴシック" panose="020B0400000000000000" pitchFamily="50" charset="-128"/>
-              <a:ea typeface="游ゴシック" panose="020B0400000000000000" pitchFamily="50" charset="-128"/>
-            </a:endParaRPr>
-          </a:p>
-          <a:p>
-            <a:r>
-              <a:rPr lang="en-US" altLang="ja-JP" sz="1050" u="sng" dirty="0">
-                <a:solidFill>
-                  <a:srgbClr val="C00000"/>
-                </a:solidFill>
-                <a:latin typeface="游ゴシック" panose="020B0400000000000000" pitchFamily="50" charset="-128"/>
-                <a:ea typeface="游ゴシック" panose="020B0400000000000000" pitchFamily="50" charset="-128"/>
-              </a:rPr>
-              <a:t>1. </a:t>
-            </a:r>
-            <a:r>
-              <a:rPr lang="ja-JP" altLang="en-US" sz="1050" u="sng" dirty="0">
-                <a:solidFill>
-                  <a:srgbClr val="C00000"/>
-                </a:solidFill>
-                <a:latin typeface="游ゴシック" panose="020B0400000000000000" pitchFamily="50" charset="-128"/>
-                <a:ea typeface="游ゴシック" panose="020B0400000000000000" pitchFamily="50" charset="-128"/>
-              </a:rPr>
-              <a:t>ライントレース</a:t>
-            </a:r>
-            <a:endParaRPr lang="en-US" altLang="ja-JP" sz="1050" u="sng" dirty="0">
-              <a:solidFill>
-                <a:srgbClr val="C00000"/>
-              </a:solidFill>
-              <a:latin typeface="游ゴシック" panose="020B0400000000000000" pitchFamily="50" charset="-128"/>
-              <a:ea typeface="游ゴシック" panose="020B0400000000000000" pitchFamily="50" charset="-128"/>
-            </a:endParaRPr>
-          </a:p>
-          <a:p>
-            <a:endParaRPr lang="en-US" altLang="ja-JP" sz="825" dirty="0">
-              <a:solidFill>
-                <a:schemeClr val="tx1"/>
-              </a:solidFill>
-              <a:latin typeface="游ゴシック" panose="020B0400000000000000" pitchFamily="50" charset="-128"/>
-              <a:ea typeface="游ゴシック" panose="020B0400000000000000" pitchFamily="50" charset="-128"/>
-            </a:endParaRPr>
-          </a:p>
-          <a:p>
-            <a:r>
-              <a:rPr lang="ja-JP" altLang="en-US" sz="825" dirty="0">
-                <a:solidFill>
-                  <a:schemeClr val="tx1"/>
-                </a:solidFill>
-                <a:latin typeface="游ゴシック" panose="020B0400000000000000" pitchFamily="50" charset="-128"/>
-                <a:ea typeface="游ゴシック" panose="020B0400000000000000" pitchFamily="50" charset="-128"/>
-              </a:rPr>
-              <a:t>ゴールまでたどり着くのにも、</a:t>
-            </a:r>
-            <a:endParaRPr lang="en-US" altLang="ja-JP" sz="825" dirty="0">
-              <a:solidFill>
-                <a:schemeClr val="tx1"/>
-              </a:solidFill>
-              <a:latin typeface="游ゴシック" panose="020B0400000000000000" pitchFamily="50" charset="-128"/>
-              <a:ea typeface="游ゴシック" panose="020B0400000000000000" pitchFamily="50" charset="-128"/>
-            </a:endParaRPr>
-          </a:p>
-          <a:p>
-            <a:r>
-              <a:rPr lang="ja-JP" altLang="en-US" sz="825" dirty="0">
-                <a:solidFill>
-                  <a:srgbClr val="FF0000"/>
-                </a:solidFill>
-                <a:latin typeface="游ゴシック" panose="020B0400000000000000" pitchFamily="50" charset="-128"/>
-                <a:ea typeface="游ゴシック" panose="020B0400000000000000" pitchFamily="50" charset="-128"/>
-              </a:rPr>
-              <a:t>どんなコースでも</a:t>
-            </a:r>
-            <a:r>
-              <a:rPr lang="ja-JP" altLang="en-US" sz="825" dirty="0">
-                <a:solidFill>
-                  <a:schemeClr val="tx1"/>
-                </a:solidFill>
-                <a:latin typeface="游ゴシック" panose="020B0400000000000000" pitchFamily="50" charset="-128"/>
-                <a:ea typeface="游ゴシック" panose="020B0400000000000000" pitchFamily="50" charset="-128"/>
-              </a:rPr>
-              <a:t>走れるようにするにも、</a:t>
-            </a:r>
-            <a:endParaRPr lang="en-US" altLang="ja-JP" sz="825" dirty="0">
-              <a:solidFill>
-                <a:schemeClr val="tx1"/>
-              </a:solidFill>
-              <a:latin typeface="游ゴシック" panose="020B0400000000000000" pitchFamily="50" charset="-128"/>
-              <a:ea typeface="游ゴシック" panose="020B0400000000000000" pitchFamily="50" charset="-128"/>
-            </a:endParaRPr>
-          </a:p>
-          <a:p>
-            <a:r>
-              <a:rPr lang="ja-JP" altLang="en-US" sz="825" dirty="0">
-                <a:solidFill>
-                  <a:schemeClr val="tx1"/>
-                </a:solidFill>
-                <a:latin typeface="游ゴシック" panose="020B0400000000000000" pitchFamily="50" charset="-128"/>
-                <a:ea typeface="游ゴシック" panose="020B0400000000000000" pitchFamily="50" charset="-128"/>
-              </a:rPr>
-              <a:t>必要不可欠なものです。</a:t>
-            </a:r>
-            <a:endParaRPr lang="en-US" altLang="ja-JP" sz="825" dirty="0">
-              <a:solidFill>
-                <a:schemeClr val="tx1"/>
-              </a:solidFill>
-              <a:latin typeface="游ゴシック" panose="020B0400000000000000" pitchFamily="50" charset="-128"/>
-              <a:ea typeface="游ゴシック" panose="020B0400000000000000" pitchFamily="50" charset="-128"/>
-            </a:endParaRPr>
-          </a:p>
-          <a:p>
-            <a:endParaRPr lang="en-US" altLang="ja-JP" sz="825" dirty="0" smtClean="0">
-              <a:solidFill>
-                <a:schemeClr val="tx1"/>
-              </a:solidFill>
-              <a:latin typeface="游ゴシック" panose="020B0400000000000000" pitchFamily="50" charset="-128"/>
-              <a:ea typeface="游ゴシック" panose="020B0400000000000000" pitchFamily="50" charset="-128"/>
-            </a:endParaRPr>
-          </a:p>
-          <a:p>
-            <a:endParaRPr lang="en-US" altLang="ja-JP" sz="825" strike="sngStrike" dirty="0">
-              <a:solidFill>
-                <a:schemeClr val="tx1"/>
-              </a:solidFill>
-              <a:latin typeface="游ゴシック" panose="020B0400000000000000" pitchFamily="50" charset="-128"/>
-              <a:ea typeface="游ゴシック" panose="020B0400000000000000" pitchFamily="50" charset="-128"/>
-            </a:endParaRPr>
-          </a:p>
-          <a:p>
-            <a:r>
-              <a:rPr lang="ja-JP" altLang="en-US" sz="825" strike="sngStrike" dirty="0" smtClean="0">
-                <a:solidFill>
-                  <a:schemeClr val="tx1"/>
-                </a:solidFill>
-                <a:latin typeface="游ゴシック" panose="020B0400000000000000" pitchFamily="50" charset="-128"/>
-                <a:ea typeface="游ゴシック" panose="020B0400000000000000" pitchFamily="50" charset="-128"/>
-              </a:rPr>
-              <a:t>ライントレースには、</a:t>
-            </a:r>
-            <a:endParaRPr lang="en-US" altLang="ja-JP" sz="825" strike="sngStrike" dirty="0" smtClean="0">
-              <a:solidFill>
-                <a:schemeClr val="tx1"/>
-              </a:solidFill>
-              <a:latin typeface="游ゴシック" panose="020B0400000000000000" pitchFamily="50" charset="-128"/>
-              <a:ea typeface="游ゴシック" panose="020B0400000000000000" pitchFamily="50" charset="-128"/>
-            </a:endParaRPr>
-          </a:p>
-          <a:p>
-            <a:r>
-              <a:rPr lang="ja-JP" altLang="en-US" sz="825" strike="sngStrike" dirty="0" smtClean="0">
-                <a:solidFill>
-                  <a:schemeClr val="tx1"/>
-                </a:solidFill>
-                <a:latin typeface="游ゴシック" panose="020B0400000000000000" pitchFamily="50" charset="-128"/>
-                <a:ea typeface="游ゴシック" panose="020B0400000000000000" pitchFamily="50" charset="-128"/>
-              </a:rPr>
-              <a:t>・</a:t>
-            </a:r>
-            <a:r>
-              <a:rPr lang="en-US" altLang="ja-JP" sz="825" strike="sngStrike" dirty="0" smtClean="0">
-                <a:solidFill>
-                  <a:schemeClr val="tx1"/>
-                </a:solidFill>
-                <a:latin typeface="游ゴシック" panose="020B0400000000000000" pitchFamily="50" charset="-128"/>
-                <a:ea typeface="游ゴシック" panose="020B0400000000000000" pitchFamily="50" charset="-128"/>
-              </a:rPr>
-              <a:t>PID</a:t>
-            </a:r>
-            <a:r>
-              <a:rPr lang="ja-JP" altLang="en-US" sz="825" strike="sngStrike" dirty="0" smtClean="0">
-                <a:solidFill>
-                  <a:schemeClr val="tx1"/>
-                </a:solidFill>
-                <a:latin typeface="游ゴシック" panose="020B0400000000000000" pitchFamily="50" charset="-128"/>
-                <a:ea typeface="游ゴシック" panose="020B0400000000000000" pitchFamily="50" charset="-128"/>
-              </a:rPr>
-              <a:t>制御</a:t>
-            </a:r>
-            <a:endParaRPr lang="en-US" altLang="ja-JP" sz="825" strike="sngStrike" dirty="0" smtClean="0">
-              <a:solidFill>
-                <a:schemeClr val="tx1"/>
-              </a:solidFill>
-              <a:latin typeface="游ゴシック" panose="020B0400000000000000" pitchFamily="50" charset="-128"/>
-              <a:ea typeface="游ゴシック" panose="020B0400000000000000" pitchFamily="50" charset="-128"/>
-            </a:endParaRPr>
-          </a:p>
-          <a:p>
-            <a:r>
-              <a:rPr lang="ja-JP" altLang="en-US" sz="825" strike="sngStrike" dirty="0" smtClean="0">
-                <a:solidFill>
-                  <a:schemeClr val="tx1"/>
-                </a:solidFill>
-                <a:latin typeface="游ゴシック" panose="020B0400000000000000" pitchFamily="50" charset="-128"/>
-                <a:ea typeface="游ゴシック" panose="020B0400000000000000" pitchFamily="50" charset="-128"/>
-              </a:rPr>
-              <a:t>・速度調整</a:t>
-            </a:r>
-            <a:endParaRPr lang="en-US" altLang="ja-JP" sz="825" strike="sngStrike" dirty="0" smtClean="0">
-              <a:solidFill>
-                <a:schemeClr val="tx1"/>
-              </a:solidFill>
-              <a:latin typeface="游ゴシック" panose="020B0400000000000000" pitchFamily="50" charset="-128"/>
-              <a:ea typeface="游ゴシック" panose="020B0400000000000000" pitchFamily="50" charset="-128"/>
-            </a:endParaRPr>
-          </a:p>
-          <a:p>
-            <a:r>
-              <a:rPr lang="ja-JP" altLang="en-US" sz="825" strike="sngStrike" dirty="0" smtClean="0">
-                <a:solidFill>
-                  <a:schemeClr val="tx1"/>
-                </a:solidFill>
-                <a:latin typeface="游ゴシック" panose="020B0400000000000000" pitchFamily="50" charset="-128"/>
-                <a:ea typeface="游ゴシック" panose="020B0400000000000000" pitchFamily="50" charset="-128"/>
-              </a:rPr>
-              <a:t>・環境光対策</a:t>
-            </a:r>
-            <a:endParaRPr lang="en-US" altLang="ja-JP" sz="825" strike="sngStrike" dirty="0" smtClean="0">
-              <a:solidFill>
-                <a:schemeClr val="tx1"/>
-              </a:solidFill>
-              <a:latin typeface="游ゴシック" panose="020B0400000000000000" pitchFamily="50" charset="-128"/>
-              <a:ea typeface="游ゴシック" panose="020B0400000000000000" pitchFamily="50" charset="-128"/>
-            </a:endParaRPr>
-          </a:p>
-          <a:p>
-            <a:endParaRPr lang="en-US" altLang="ja-JP" sz="825" dirty="0">
-              <a:solidFill>
-                <a:schemeClr val="tx1"/>
-              </a:solidFill>
-              <a:latin typeface="游ゴシック" panose="020B0400000000000000" pitchFamily="50" charset="-128"/>
-              <a:ea typeface="游ゴシック" panose="020B0400000000000000" pitchFamily="50" charset="-128"/>
-            </a:endParaRPr>
-          </a:p>
         </p:txBody>
       </p:sp>
       <p:pic>
@@ -4546,8 +4186,8 @@
         </p:nvSpPr>
         <p:spPr>
           <a:xfrm rot="21423746">
-            <a:off x="282067" y="3614463"/>
-            <a:ext cx="2462614" cy="930728"/>
+            <a:off x="5964570" y="5698085"/>
+            <a:ext cx="1905565" cy="765485"/>
           </a:xfrm>
           <a:prstGeom prst="rect">
             <a:avLst/>
@@ -4587,7 +4227,7 @@
           <a:lstStyle/>
           <a:p>
             <a:r>
-              <a:rPr kumimoji="1" lang="ja-JP" altLang="en-US" sz="1200" b="1" u="sng" dirty="0" smtClean="0">
+              <a:rPr kumimoji="1" lang="ja-JP" altLang="en-US" sz="1100" b="1" u="sng" dirty="0" smtClean="0">
                 <a:solidFill>
                   <a:srgbClr val="C00000"/>
                 </a:solidFill>
@@ -4596,7 +4236,7 @@
               </a:rPr>
               <a:t>ショートカットはしない</a:t>
             </a:r>
-            <a:endParaRPr kumimoji="1" lang="en-US" altLang="ja-JP" sz="1200" b="1" u="sng" dirty="0" smtClean="0">
+            <a:endParaRPr kumimoji="1" lang="en-US" altLang="ja-JP" sz="1100" b="1" u="sng" dirty="0" smtClean="0">
               <a:solidFill>
                 <a:srgbClr val="C00000"/>
               </a:solidFill>
@@ -4606,26 +4246,33 @@
           </a:p>
           <a:p>
             <a:r>
-              <a:rPr lang="ja-JP" altLang="en-US" sz="1200" b="1" dirty="0" smtClean="0">
+              <a:rPr lang="ja-JP" altLang="en-US" sz="1100" b="1" dirty="0" smtClean="0">
                 <a:latin typeface="游ゴシック" panose="020B0400000000000000" pitchFamily="50" charset="-128"/>
                 <a:ea typeface="游ゴシック" panose="020B0400000000000000" pitchFamily="50" charset="-128"/>
               </a:rPr>
               <a:t>理由</a:t>
             </a:r>
-            <a:endParaRPr lang="en-US" altLang="ja-JP" sz="1200" b="1" dirty="0" smtClean="0">
+            <a:endParaRPr lang="en-US" altLang="ja-JP" sz="1100" b="1" dirty="0" smtClean="0">
               <a:latin typeface="游ゴシック" panose="020B0400000000000000" pitchFamily="50" charset="-128"/>
               <a:ea typeface="游ゴシック" panose="020B0400000000000000" pitchFamily="50" charset="-128"/>
             </a:endParaRPr>
           </a:p>
           <a:p>
             <a:r>
-              <a:rPr lang="ja-JP" altLang="en-US" sz="1200" dirty="0" smtClean="0">
+              <a:rPr lang="ja-JP" altLang="en-US" sz="1100" dirty="0" smtClean="0">
                 <a:latin typeface="游ゴシック" panose="020B0400000000000000" pitchFamily="50" charset="-128"/>
                 <a:ea typeface="游ゴシック" panose="020B0400000000000000" pitchFamily="50" charset="-128"/>
               </a:rPr>
-              <a:t>同じコースの同じ場所でしか使えないため、汎用性がない。</a:t>
-            </a:r>
-            <a:endParaRPr kumimoji="1" lang="ja-JP" altLang="en-US" sz="1200" dirty="0">
+              <a:t>同じコースの同じ場所でしか使えない方法である</a:t>
+            </a:r>
+            <a:r>
+              <a:rPr lang="ja-JP" altLang="en-US" sz="1100" dirty="0">
+                <a:latin typeface="游ゴシック" panose="020B0400000000000000" pitchFamily="50" charset="-128"/>
+                <a:ea typeface="游ゴシック" panose="020B0400000000000000" pitchFamily="50" charset="-128"/>
+              </a:rPr>
+              <a:t>。</a:t>
+            </a:r>
+            <a:endParaRPr kumimoji="1" lang="ja-JP" altLang="en-US" sz="1100" dirty="0">
               <a:latin typeface="游ゴシック" panose="020B0400000000000000" pitchFamily="50" charset="-128"/>
               <a:ea typeface="游ゴシック" panose="020B0400000000000000" pitchFamily="50" charset="-128"/>
             </a:endParaRPr>
@@ -4640,7 +4287,7 @@
         </p:nvSpPr>
         <p:spPr>
           <a:xfrm>
-            <a:off x="5657402" y="1390995"/>
+            <a:off x="5736654" y="1407054"/>
             <a:ext cx="2945684" cy="1569660"/>
           </a:xfrm>
           <a:prstGeom prst="rect">
@@ -4724,59 +4371,13 @@
       </p:sp>
       <p:sp>
         <p:nvSpPr>
-          <p:cNvPr id="17" name="テキスト ボックス 16"/>
-          <p:cNvSpPr txBox="1"/>
-          <p:nvPr/>
-        </p:nvSpPr>
-        <p:spPr>
-          <a:xfrm>
-            <a:off x="3325779" y="2701313"/>
-            <a:ext cx="1528891" cy="338554"/>
-          </a:xfrm>
-          <a:prstGeom prst="rect">
-            <a:avLst/>
-          </a:prstGeom>
-          <a:noFill/>
-        </p:spPr>
-        <p:txBody>
-          <a:bodyPr wrap="square" rtlCol="0">
-            <a:spAutoFit/>
-          </a:bodyPr>
-          <a:lstStyle/>
-          <a:p>
-            <a:r>
-              <a:rPr lang="en-US" altLang="ja-JP" sz="800" dirty="0" smtClean="0">
-                <a:solidFill>
-                  <a:srgbClr val="FF0000"/>
-                </a:solidFill>
-              </a:rPr>
-              <a:t>PID</a:t>
-            </a:r>
-            <a:r>
-              <a:rPr lang="ja-JP" altLang="en-US" sz="800" dirty="0" smtClean="0">
-                <a:solidFill>
-                  <a:srgbClr val="FF0000"/>
-                </a:solidFill>
-              </a:rPr>
-              <a:t>制御は機能で説明の方が良い。</a:t>
-            </a:r>
-            <a:endParaRPr lang="en-US" altLang="ja-JP" sz="800" dirty="0" smtClean="0">
-              <a:solidFill>
-                <a:srgbClr val="FF0000"/>
-              </a:solidFill>
-            </a:endParaRPr>
-          </a:p>
-        </p:txBody>
-      </p:sp>
-      <p:sp>
-        <p:nvSpPr>
           <p:cNvPr id="18" name="テキスト ボックス 17"/>
           <p:cNvSpPr txBox="1"/>
           <p:nvPr/>
         </p:nvSpPr>
         <p:spPr>
           <a:xfrm>
-            <a:off x="3179427" y="3551972"/>
+            <a:off x="3194636" y="3285223"/>
             <a:ext cx="2288784" cy="2554545"/>
           </a:xfrm>
           <a:prstGeom prst="rect">
@@ -4955,7 +4556,7 @@
         </p:nvSpPr>
         <p:spPr>
           <a:xfrm>
-            <a:off x="5723207" y="3547094"/>
+            <a:off x="5760202" y="3255758"/>
             <a:ext cx="2945684" cy="2554545"/>
           </a:xfrm>
           <a:prstGeom prst="rect">
@@ -5182,6 +4783,257 @@
           </a:p>
           <a:p>
             <a:endParaRPr lang="en-US" altLang="ja-JP" sz="800" dirty="0"/>
+          </a:p>
+        </p:txBody>
+      </p:sp>
+      <p:sp>
+        <p:nvSpPr>
+          <p:cNvPr id="10" name="テキスト ボックス 9"/>
+          <p:cNvSpPr txBox="1"/>
+          <p:nvPr/>
+        </p:nvSpPr>
+        <p:spPr>
+          <a:xfrm>
+            <a:off x="3179427" y="1225196"/>
+            <a:ext cx="1968929" cy="2185214"/>
+          </a:xfrm>
+          <a:prstGeom prst="rect">
+            <a:avLst/>
+          </a:prstGeom>
+          <a:noFill/>
+        </p:spPr>
+        <p:txBody>
+          <a:bodyPr wrap="square" rtlCol="0">
+            <a:spAutoFit/>
+          </a:bodyPr>
+          <a:lstStyle/>
+          <a:p>
+            <a:r>
+              <a:rPr lang="ja-JP" altLang="en-US" sz="800" b="1" dirty="0">
+                <a:solidFill>
+                  <a:schemeClr val="accent1"/>
+                </a:solidFill>
+                <a:latin typeface="游ゴシック" panose="020B0400000000000000" pitchFamily="50" charset="-128"/>
+                <a:ea typeface="游ゴシック" panose="020B0400000000000000" pitchFamily="50" charset="-128"/>
+              </a:rPr>
+              <a:t>走行戦略の概要</a:t>
+            </a:r>
+            <a:endParaRPr lang="en-US" altLang="ja-JP" sz="800" b="1" dirty="0">
+              <a:solidFill>
+                <a:schemeClr val="accent1"/>
+              </a:solidFill>
+              <a:latin typeface="游ゴシック" panose="020B0400000000000000" pitchFamily="50" charset="-128"/>
+              <a:ea typeface="游ゴシック" panose="020B0400000000000000" pitchFamily="50" charset="-128"/>
+            </a:endParaRPr>
+          </a:p>
+          <a:p>
+            <a:r>
+              <a:rPr lang="en-US" altLang="ja-JP" sz="800" b="1" dirty="0">
+                <a:solidFill>
+                  <a:srgbClr val="C00000"/>
+                </a:solidFill>
+                <a:latin typeface="游ゴシック" panose="020B0400000000000000" pitchFamily="50" charset="-128"/>
+                <a:ea typeface="游ゴシック" panose="020B0400000000000000" pitchFamily="50" charset="-128"/>
+              </a:rPr>
+              <a:t>A – 1. </a:t>
+            </a:r>
+            <a:r>
+              <a:rPr lang="ja-JP" altLang="en-US" sz="800" b="1" dirty="0">
+                <a:solidFill>
+                  <a:srgbClr val="C00000"/>
+                </a:solidFill>
+                <a:latin typeface="游ゴシック" panose="020B0400000000000000" pitchFamily="50" charset="-128"/>
+                <a:ea typeface="游ゴシック" panose="020B0400000000000000" pitchFamily="50" charset="-128"/>
+              </a:rPr>
+              <a:t>ラインにそって走行する。</a:t>
+            </a:r>
+            <a:endParaRPr lang="en-US" altLang="ja-JP" sz="800" b="1" dirty="0">
+              <a:solidFill>
+                <a:srgbClr val="C00000"/>
+              </a:solidFill>
+              <a:latin typeface="游ゴシック" panose="020B0400000000000000" pitchFamily="50" charset="-128"/>
+              <a:ea typeface="游ゴシック" panose="020B0400000000000000" pitchFamily="50" charset="-128"/>
+            </a:endParaRPr>
+          </a:p>
+          <a:p>
+            <a:endParaRPr lang="en-US" altLang="ja-JP" sz="800" dirty="0">
+              <a:solidFill>
+                <a:srgbClr val="C00000"/>
+              </a:solidFill>
+              <a:latin typeface="游ゴシック" panose="020B0400000000000000" pitchFamily="50" charset="-128"/>
+              <a:ea typeface="游ゴシック" panose="020B0400000000000000" pitchFamily="50" charset="-128"/>
+            </a:endParaRPr>
+          </a:p>
+          <a:p>
+            <a:r>
+              <a:rPr lang="en-US" altLang="ja-JP" sz="800" u="sng" dirty="0">
+                <a:solidFill>
+                  <a:srgbClr val="C00000"/>
+                </a:solidFill>
+                <a:latin typeface="游ゴシック" panose="020B0400000000000000" pitchFamily="50" charset="-128"/>
+                <a:ea typeface="游ゴシック" panose="020B0400000000000000" pitchFamily="50" charset="-128"/>
+              </a:rPr>
+              <a:t>1. </a:t>
+            </a:r>
+            <a:r>
+              <a:rPr lang="ja-JP" altLang="en-US" sz="800" u="sng" dirty="0">
+                <a:solidFill>
+                  <a:srgbClr val="C00000"/>
+                </a:solidFill>
+                <a:latin typeface="游ゴシック" panose="020B0400000000000000" pitchFamily="50" charset="-128"/>
+                <a:ea typeface="游ゴシック" panose="020B0400000000000000" pitchFamily="50" charset="-128"/>
+              </a:rPr>
+              <a:t>ライントレース</a:t>
+            </a:r>
+            <a:endParaRPr lang="en-US" altLang="ja-JP" sz="800" u="sng" dirty="0">
+              <a:solidFill>
+                <a:srgbClr val="C00000"/>
+              </a:solidFill>
+              <a:latin typeface="游ゴシック" panose="020B0400000000000000" pitchFamily="50" charset="-128"/>
+              <a:ea typeface="游ゴシック" panose="020B0400000000000000" pitchFamily="50" charset="-128"/>
+            </a:endParaRPr>
+          </a:p>
+          <a:p>
+            <a:endParaRPr lang="en-US" altLang="ja-JP" sz="800" dirty="0">
+              <a:latin typeface="游ゴシック" panose="020B0400000000000000" pitchFamily="50" charset="-128"/>
+              <a:ea typeface="游ゴシック" panose="020B0400000000000000" pitchFamily="50" charset="-128"/>
+            </a:endParaRPr>
+          </a:p>
+          <a:p>
+            <a:r>
+              <a:rPr lang="ja-JP" altLang="en-US" sz="800" dirty="0">
+                <a:latin typeface="游ゴシック" panose="020B0400000000000000" pitchFamily="50" charset="-128"/>
+                <a:ea typeface="游ゴシック" panose="020B0400000000000000" pitchFamily="50" charset="-128"/>
+              </a:rPr>
+              <a:t>ゴールまでたどり着くのにも、</a:t>
+            </a:r>
+            <a:endParaRPr lang="en-US" altLang="ja-JP" sz="800" dirty="0">
+              <a:latin typeface="游ゴシック" panose="020B0400000000000000" pitchFamily="50" charset="-128"/>
+              <a:ea typeface="游ゴシック" panose="020B0400000000000000" pitchFamily="50" charset="-128"/>
+            </a:endParaRPr>
+          </a:p>
+          <a:p>
+            <a:r>
+              <a:rPr lang="ja-JP" altLang="en-US" sz="800" dirty="0">
+                <a:solidFill>
+                  <a:srgbClr val="FF0000"/>
+                </a:solidFill>
+                <a:latin typeface="游ゴシック" panose="020B0400000000000000" pitchFamily="50" charset="-128"/>
+                <a:ea typeface="游ゴシック" panose="020B0400000000000000" pitchFamily="50" charset="-128"/>
+              </a:rPr>
+              <a:t>どんなコースでも</a:t>
+            </a:r>
+            <a:r>
+              <a:rPr lang="ja-JP" altLang="en-US" sz="800" dirty="0">
+                <a:latin typeface="游ゴシック" panose="020B0400000000000000" pitchFamily="50" charset="-128"/>
+                <a:ea typeface="游ゴシック" panose="020B0400000000000000" pitchFamily="50" charset="-128"/>
+              </a:rPr>
+              <a:t>走れるようにするにも、</a:t>
+            </a:r>
+            <a:endParaRPr lang="en-US" altLang="ja-JP" sz="800" dirty="0">
+              <a:latin typeface="游ゴシック" panose="020B0400000000000000" pitchFamily="50" charset="-128"/>
+              <a:ea typeface="游ゴシック" panose="020B0400000000000000" pitchFamily="50" charset="-128"/>
+            </a:endParaRPr>
+          </a:p>
+          <a:p>
+            <a:r>
+              <a:rPr lang="ja-JP" altLang="en-US" sz="800" dirty="0">
+                <a:latin typeface="游ゴシック" panose="020B0400000000000000" pitchFamily="50" charset="-128"/>
+                <a:ea typeface="游ゴシック" panose="020B0400000000000000" pitchFamily="50" charset="-128"/>
+              </a:rPr>
+              <a:t>必要不可欠なものです。</a:t>
+            </a:r>
+            <a:endParaRPr lang="en-US" altLang="ja-JP" sz="800" dirty="0">
+              <a:latin typeface="游ゴシック" panose="020B0400000000000000" pitchFamily="50" charset="-128"/>
+              <a:ea typeface="游ゴシック" panose="020B0400000000000000" pitchFamily="50" charset="-128"/>
+            </a:endParaRPr>
+          </a:p>
+          <a:p>
+            <a:endParaRPr lang="en-US" altLang="ja-JP" sz="800" dirty="0">
+              <a:latin typeface="游ゴシック" panose="020B0400000000000000" pitchFamily="50" charset="-128"/>
+              <a:ea typeface="游ゴシック" panose="020B0400000000000000" pitchFamily="50" charset="-128"/>
+            </a:endParaRPr>
+          </a:p>
+          <a:p>
+            <a:endParaRPr lang="en-US" altLang="ja-JP" sz="800" strike="sngStrike" dirty="0">
+              <a:latin typeface="游ゴシック" panose="020B0400000000000000" pitchFamily="50" charset="-128"/>
+              <a:ea typeface="游ゴシック" panose="020B0400000000000000" pitchFamily="50" charset="-128"/>
+            </a:endParaRPr>
+          </a:p>
+          <a:p>
+            <a:r>
+              <a:rPr lang="ja-JP" altLang="en-US" sz="800" strike="sngStrike" dirty="0">
+                <a:latin typeface="游ゴシック" panose="020B0400000000000000" pitchFamily="50" charset="-128"/>
+                <a:ea typeface="游ゴシック" panose="020B0400000000000000" pitchFamily="50" charset="-128"/>
+              </a:rPr>
+              <a:t>ライントレースには、</a:t>
+            </a:r>
+            <a:endParaRPr lang="en-US" altLang="ja-JP" sz="800" strike="sngStrike" dirty="0">
+              <a:latin typeface="游ゴシック" panose="020B0400000000000000" pitchFamily="50" charset="-128"/>
+              <a:ea typeface="游ゴシック" panose="020B0400000000000000" pitchFamily="50" charset="-128"/>
+            </a:endParaRPr>
+          </a:p>
+          <a:p>
+            <a:r>
+              <a:rPr lang="ja-JP" altLang="en-US" sz="800" strike="sngStrike" dirty="0">
+                <a:latin typeface="游ゴシック" panose="020B0400000000000000" pitchFamily="50" charset="-128"/>
+                <a:ea typeface="游ゴシック" panose="020B0400000000000000" pitchFamily="50" charset="-128"/>
+              </a:rPr>
+              <a:t>・</a:t>
+            </a:r>
+            <a:r>
+              <a:rPr lang="en-US" altLang="ja-JP" sz="800" strike="sngStrike" dirty="0">
+                <a:latin typeface="游ゴシック" panose="020B0400000000000000" pitchFamily="50" charset="-128"/>
+                <a:ea typeface="游ゴシック" panose="020B0400000000000000" pitchFamily="50" charset="-128"/>
+              </a:rPr>
+              <a:t>PID</a:t>
+            </a:r>
+            <a:r>
+              <a:rPr lang="ja-JP" altLang="en-US" sz="800" strike="sngStrike" dirty="0">
+                <a:latin typeface="游ゴシック" panose="020B0400000000000000" pitchFamily="50" charset="-128"/>
+                <a:ea typeface="游ゴシック" panose="020B0400000000000000" pitchFamily="50" charset="-128"/>
+              </a:rPr>
+              <a:t>制御</a:t>
+            </a:r>
+            <a:endParaRPr lang="en-US" altLang="ja-JP" sz="800" strike="sngStrike" dirty="0">
+              <a:latin typeface="游ゴシック" panose="020B0400000000000000" pitchFamily="50" charset="-128"/>
+              <a:ea typeface="游ゴシック" panose="020B0400000000000000" pitchFamily="50" charset="-128"/>
+            </a:endParaRPr>
+          </a:p>
+          <a:p>
+            <a:r>
+              <a:rPr lang="ja-JP" altLang="en-US" sz="800" strike="sngStrike" dirty="0">
+                <a:latin typeface="游ゴシック" panose="020B0400000000000000" pitchFamily="50" charset="-128"/>
+                <a:ea typeface="游ゴシック" panose="020B0400000000000000" pitchFamily="50" charset="-128"/>
+              </a:rPr>
+              <a:t>・速度調整</a:t>
+            </a:r>
+            <a:endParaRPr lang="en-US" altLang="ja-JP" sz="800" strike="sngStrike" dirty="0">
+              <a:latin typeface="游ゴシック" panose="020B0400000000000000" pitchFamily="50" charset="-128"/>
+              <a:ea typeface="游ゴシック" panose="020B0400000000000000" pitchFamily="50" charset="-128"/>
+            </a:endParaRPr>
+          </a:p>
+          <a:p>
+            <a:r>
+              <a:rPr lang="ja-JP" altLang="en-US" sz="800" strike="sngStrike" dirty="0">
+                <a:latin typeface="游ゴシック" panose="020B0400000000000000" pitchFamily="50" charset="-128"/>
+                <a:ea typeface="游ゴシック" panose="020B0400000000000000" pitchFamily="50" charset="-128"/>
+              </a:rPr>
+              <a:t>・環境光対策</a:t>
+            </a:r>
+            <a:endParaRPr lang="en-US" altLang="ja-JP" sz="800" strike="sngStrike" dirty="0">
+              <a:latin typeface="游ゴシック" panose="020B0400000000000000" pitchFamily="50" charset="-128"/>
+              <a:ea typeface="游ゴシック" panose="020B0400000000000000" pitchFamily="50" charset="-128"/>
+            </a:endParaRPr>
+          </a:p>
+          <a:p>
+            <a:endParaRPr lang="en-US" altLang="ja-JP" sz="800" dirty="0">
+              <a:latin typeface="游ゴシック" panose="020B0400000000000000" pitchFamily="50" charset="-128"/>
+              <a:ea typeface="游ゴシック" panose="020B0400000000000000" pitchFamily="50" charset="-128"/>
+            </a:endParaRPr>
+          </a:p>
+          <a:p>
+            <a:endParaRPr kumimoji="1" lang="ja-JP" altLang="en-US" sz="800" dirty="0"/>
           </a:p>
         </p:txBody>
       </p:sp>
@@ -5646,16 +5498,17 @@
         </p:nvSpPr>
         <p:spPr>
           <a:xfrm>
-            <a:off x="3055486" y="60716"/>
+            <a:off x="3112581" y="61834"/>
             <a:ext cx="6023883" cy="6580414"/>
           </a:xfrm>
           <a:prstGeom prst="rect">
             <a:avLst/>
           </a:prstGeom>
           <a:solidFill>
-            <a:srgbClr val="FFFFFF">
+            <a:schemeClr val="bg1">
+              <a:lumMod val="95000"/>
               <a:alpha val="80000"/>
-            </a:srgbClr>
+            </a:schemeClr>
           </a:solidFill>
           <a:ln w="38100">
             <a:solidFill>
@@ -5696,18 +5549,154 @@
       </p:sp>
       <p:sp>
         <p:nvSpPr>
-          <p:cNvPr id="2" name="円/楕円 1"/>
+          <p:cNvPr id="7" name="テキスト ボックス 6"/>
+          <p:cNvSpPr txBox="1"/>
+          <p:nvPr/>
+        </p:nvSpPr>
+        <p:spPr>
+          <a:xfrm>
+            <a:off x="6870541" y="935852"/>
+            <a:ext cx="2059928" cy="1077218"/>
+          </a:xfrm>
+          <a:prstGeom prst="rect">
+            <a:avLst/>
+          </a:prstGeom>
+          <a:noFill/>
+        </p:spPr>
+        <p:txBody>
+          <a:bodyPr wrap="square" rtlCol="0">
+            <a:spAutoFit/>
+          </a:bodyPr>
+          <a:lstStyle/>
+          <a:p>
+            <a:r>
+              <a:rPr lang="ja-JP" altLang="en-US" sz="800" dirty="0" smtClean="0"/>
+              <a:t>モータへのパワーの与え方</a:t>
+            </a:r>
+            <a:endParaRPr lang="en-US" altLang="ja-JP" sz="800" dirty="0" smtClean="0"/>
+          </a:p>
+          <a:p>
+            <a:endParaRPr kumimoji="1" lang="en-US" altLang="ja-JP" sz="800" dirty="0"/>
+          </a:p>
+          <a:p>
+            <a:r>
+              <a:rPr kumimoji="1" lang="ja-JP" altLang="en-US" sz="800" dirty="0" smtClean="0"/>
+              <a:t>モータに大きなパワーをかけて発進しようとすると、その反動で走行体上部が大きく振れる→反対側に傾けてバランスを取ろうとする</a:t>
+            </a:r>
+            <a:r>
+              <a:rPr kumimoji="1" lang="ja-JP" altLang="en-US" sz="800" dirty="0" smtClean="0"/>
+              <a:t>。</a:t>
+            </a:r>
+            <a:r>
+              <a:rPr lang="ja-JP" altLang="en-US" sz="800" dirty="0" smtClean="0"/>
+              <a:t>→</a:t>
+            </a:r>
+            <a:r>
+              <a:rPr lang="ja-JP" altLang="en-US" sz="800" dirty="0" smtClean="0"/>
+              <a:t>かえってスピードが出ない</a:t>
+            </a:r>
+            <a:r>
+              <a:rPr lang="ja-JP" altLang="en-US" sz="800" dirty="0" smtClean="0"/>
+              <a:t>。</a:t>
+            </a:r>
+            <a:endParaRPr kumimoji="1" lang="en-US" altLang="ja-JP" sz="800" dirty="0"/>
+          </a:p>
+          <a:p>
+            <a:r>
+              <a:rPr kumimoji="1" lang="ja-JP" altLang="en-US" sz="800" dirty="0" smtClean="0"/>
+              <a:t>小さすぎるパワーでは、その場で静止してしまう</a:t>
+            </a:r>
+            <a:r>
+              <a:rPr kumimoji="1" lang="ja-JP" altLang="en-US" sz="800" dirty="0" smtClean="0"/>
+              <a:t>。</a:t>
+            </a:r>
+            <a:endParaRPr kumimoji="1" lang="en-US" altLang="ja-JP" sz="800" dirty="0" smtClean="0"/>
+          </a:p>
+        </p:txBody>
+      </p:sp>
+      <p:sp>
+        <p:nvSpPr>
+          <p:cNvPr id="26" name="テキスト ボックス 25"/>
+          <p:cNvSpPr txBox="1"/>
+          <p:nvPr/>
+        </p:nvSpPr>
+        <p:spPr>
+          <a:xfrm>
+            <a:off x="5014411" y="912515"/>
+            <a:ext cx="1726152" cy="707886"/>
+          </a:xfrm>
+          <a:prstGeom prst="rect">
+            <a:avLst/>
+          </a:prstGeom>
+          <a:noFill/>
+        </p:spPr>
+        <p:txBody>
+          <a:bodyPr wrap="square" rtlCol="0">
+            <a:spAutoFit/>
+          </a:bodyPr>
+          <a:lstStyle/>
+          <a:p>
+            <a:r>
+              <a:rPr lang="ja-JP" altLang="en-US" sz="800" dirty="0" smtClean="0"/>
+              <a:t>尻尾の</a:t>
+            </a:r>
+            <a:r>
+              <a:rPr lang="ja-JP" altLang="en-US" sz="800" dirty="0" smtClean="0"/>
+              <a:t>反動を考慮する</a:t>
+            </a:r>
+            <a:endParaRPr lang="en-US" altLang="ja-JP" sz="800" dirty="0" smtClean="0"/>
+          </a:p>
+          <a:p>
+            <a:endParaRPr kumimoji="1" lang="en-US" altLang="ja-JP" sz="800" dirty="0" smtClean="0"/>
+          </a:p>
+          <a:p>
+            <a:r>
+              <a:rPr lang="ja-JP" altLang="en-US" sz="800" dirty="0" smtClean="0"/>
+              <a:t>起立した状態から、尻尾を上げスタートする</a:t>
+            </a:r>
+            <a:r>
+              <a:rPr lang="ja-JP" altLang="en-US" sz="800" dirty="0" smtClean="0"/>
+              <a:t>。ゆっくり</a:t>
+            </a:r>
+            <a:r>
+              <a:rPr lang="ja-JP" altLang="en-US" sz="800" dirty="0"/>
+              <a:t>過</a:t>
+            </a:r>
+            <a:r>
+              <a:rPr lang="ja-JP" altLang="en-US" sz="800" dirty="0" smtClean="0"/>
+              <a:t>ぎると、後ろに傾く</a:t>
+            </a:r>
+            <a:r>
+              <a:rPr lang="ja-JP" altLang="en-US" sz="800" dirty="0" smtClean="0"/>
+              <a:t>。早すぎる</a:t>
+            </a:r>
+            <a:r>
+              <a:rPr lang="ja-JP" altLang="en-US" sz="800" dirty="0" smtClean="0"/>
+              <a:t>と反動により、ぐらつく</a:t>
+            </a:r>
+            <a:r>
+              <a:rPr lang="ja-JP" altLang="en-US" sz="800" dirty="0" smtClean="0"/>
+              <a:t>。</a:t>
+            </a:r>
+            <a:endParaRPr lang="en-US" altLang="ja-JP" sz="800" dirty="0" smtClean="0"/>
+          </a:p>
+        </p:txBody>
+      </p:sp>
+      <p:sp>
+        <p:nvSpPr>
+          <p:cNvPr id="10" name="正方形/長方形 9"/>
           <p:cNvSpPr/>
           <p:nvPr/>
         </p:nvSpPr>
         <p:spPr>
           <a:xfrm>
-            <a:off x="3356261" y="3452835"/>
-            <a:ext cx="1538022" cy="483958"/>
-          </a:xfrm>
-          <a:prstGeom prst="ellipse">
-            <a:avLst/>
-          </a:prstGeom>
+            <a:off x="3137409" y="140486"/>
+            <a:ext cx="5845225" cy="1959228"/>
+          </a:xfrm>
+          <a:prstGeom prst="rect">
+            <a:avLst/>
+          </a:prstGeom>
+          <a:noFill/>
         </p:spPr>
         <p:style>
           <a:lnRef idx="2">
@@ -5730,28 +5719,25 @@
           <a:lstStyle/>
           <a:p>
             <a:pPr algn="ctr"/>
-            <a:r>
-              <a:rPr kumimoji="1" lang="ja-JP" altLang="en-US" sz="1000" dirty="0" smtClean="0"/>
-              <a:t>ライントレースに必要なこと</a:t>
-            </a:r>
-            <a:endParaRPr kumimoji="1" lang="ja-JP" altLang="en-US" sz="1000" dirty="0"/>
-          </a:p>
-        </p:txBody>
-      </p:sp>
-      <p:sp>
-        <p:nvSpPr>
-          <p:cNvPr id="14" name="円/楕円 13"/>
+            <a:endParaRPr kumimoji="1" lang="ja-JP" altLang="en-US"/>
+          </a:p>
+        </p:txBody>
+      </p:sp>
+      <p:sp>
+        <p:nvSpPr>
+          <p:cNvPr id="31" name="正方形/長方形 30"/>
           <p:cNvSpPr/>
           <p:nvPr/>
         </p:nvSpPr>
         <p:spPr>
           <a:xfrm>
-            <a:off x="3916767" y="4181914"/>
-            <a:ext cx="1651769" cy="304024"/>
-          </a:xfrm>
-          <a:prstGeom prst="ellipse">
-            <a:avLst/>
-          </a:prstGeom>
+            <a:off x="3133185" y="2178366"/>
+            <a:ext cx="5853671" cy="4380679"/>
+          </a:xfrm>
+          <a:prstGeom prst="rect">
+            <a:avLst/>
+          </a:prstGeom>
+          <a:noFill/>
         </p:spPr>
         <p:style>
           <a:lnRef idx="2">
@@ -5774,42 +5760,25 @@
           <a:lstStyle/>
           <a:p>
             <a:pPr algn="ctr"/>
-            <a:r>
-              <a:rPr kumimoji="1" lang="ja-JP" altLang="en-US" sz="1000" u="sng" dirty="0" smtClean="0">
-                <a:solidFill>
-                  <a:srgbClr val="FF0000"/>
-                </a:solidFill>
-              </a:rPr>
-              <a:t>スムーズ</a:t>
-            </a:r>
-            <a:r>
-              <a:rPr kumimoji="1" lang="ja-JP" altLang="en-US" sz="1000" dirty="0" smtClean="0"/>
-              <a:t>な走行</a:t>
-            </a:r>
-            <a:endParaRPr kumimoji="1" lang="ja-JP" altLang="en-US" sz="1000" dirty="0"/>
-          </a:p>
-        </p:txBody>
-      </p:sp>
-      <p:sp>
-        <p:nvSpPr>
-          <p:cNvPr id="16" name="テキスト ボックス 15"/>
+            <a:endParaRPr kumimoji="1" lang="ja-JP" altLang="en-US"/>
+          </a:p>
+        </p:txBody>
+      </p:sp>
+      <p:sp>
+        <p:nvSpPr>
+          <p:cNvPr id="11" name="テキスト ボックス 10"/>
           <p:cNvSpPr txBox="1"/>
           <p:nvPr/>
         </p:nvSpPr>
         <p:spPr>
           <a:xfrm>
-            <a:off x="3486359" y="5096285"/>
-            <a:ext cx="1171430" cy="261610"/>
+            <a:off x="103729" y="1413049"/>
+            <a:ext cx="2819226" cy="1938992"/>
           </a:xfrm>
           <a:prstGeom prst="rect">
             <a:avLst/>
           </a:prstGeom>
           <a:noFill/>
-          <a:ln>
-            <a:solidFill>
-              <a:srgbClr val="FF0000"/>
-            </a:solidFill>
-          </a:ln>
         </p:spPr>
         <p:txBody>
           <a:bodyPr wrap="square" rtlCol="0">
@@ -5817,42 +5786,206 @@
           </a:bodyPr>
           <a:lstStyle/>
           <a:p>
-            <a:r>
-              <a:rPr kumimoji="1" lang="ja-JP" altLang="en-US" sz="1100" dirty="0" smtClean="0">
-                <a:solidFill>
-                  <a:srgbClr val="FF0000"/>
-                </a:solidFill>
-              </a:rPr>
-              <a:t>急アクセル厳禁</a:t>
-            </a:r>
-            <a:endParaRPr kumimoji="1" lang="ja-JP" altLang="en-US" sz="1100" dirty="0">
-              <a:solidFill>
-                <a:srgbClr val="FF0000"/>
-              </a:solidFill>
-            </a:endParaRPr>
-          </a:p>
-        </p:txBody>
-      </p:sp>
-      <p:sp>
-        <p:nvSpPr>
-          <p:cNvPr id="17" name="テキスト ボックス 16"/>
+            <a:endParaRPr lang="en-US" altLang="ja-JP" sz="800" dirty="0"/>
+          </a:p>
+          <a:p>
+            <a:r>
+              <a:rPr kumimoji="1" lang="ja-JP" altLang="en-US" sz="800" dirty="0" smtClean="0"/>
+              <a:t>１</a:t>
+            </a:r>
+            <a:r>
+              <a:rPr kumimoji="1" lang="ja-JP" altLang="en-US" sz="800" dirty="0" smtClean="0"/>
+              <a:t>．安定</a:t>
+            </a:r>
+            <a:r>
+              <a:rPr lang="ja-JP" altLang="en-US" sz="800" dirty="0" smtClean="0"/>
+              <a:t>し</a:t>
+            </a:r>
+            <a:r>
+              <a:rPr lang="ja-JP" altLang="en-US" sz="800" dirty="0"/>
+              <a:t>た</a:t>
+            </a:r>
+            <a:r>
+              <a:rPr kumimoji="1" lang="ja-JP" altLang="en-US" sz="800" dirty="0" smtClean="0"/>
+              <a:t>スタート</a:t>
+            </a:r>
+            <a:r>
+              <a:rPr kumimoji="1" lang="en-US" altLang="ja-JP" sz="800" dirty="0" smtClean="0"/>
+              <a:t>(</a:t>
+            </a:r>
+            <a:r>
+              <a:rPr lang="ja-JP" altLang="en-US" sz="800" dirty="0" smtClean="0"/>
+              <a:t>発進する</a:t>
+            </a:r>
+            <a:r>
+              <a:rPr lang="en-US" altLang="ja-JP" sz="800" dirty="0" smtClean="0"/>
+              <a:t>)</a:t>
+            </a:r>
+            <a:r>
+              <a:rPr lang="ja-JP" altLang="en-US" sz="800" dirty="0" smtClean="0"/>
+              <a:t>に必要な機能</a:t>
+            </a:r>
+            <a:endParaRPr lang="en-US" altLang="ja-JP" sz="800" dirty="0" smtClean="0"/>
+          </a:p>
+          <a:p>
+            <a:r>
+              <a:rPr lang="en-US" altLang="ja-JP" sz="800" dirty="0" smtClean="0"/>
+              <a:t/>
+            </a:r>
+            <a:br>
+              <a:rPr lang="en-US" altLang="ja-JP" sz="800" dirty="0" smtClean="0"/>
+            </a:br>
+            <a:r>
+              <a:rPr lang="ja-JP" altLang="en-US" sz="800" dirty="0" smtClean="0"/>
+              <a:t>　　　 </a:t>
+            </a:r>
+            <a:r>
+              <a:rPr lang="en-US" altLang="ja-JP" sz="800" dirty="0" smtClean="0"/>
+              <a:t>a. Bluetooth</a:t>
+            </a:r>
+            <a:r>
+              <a:rPr lang="ja-JP" altLang="en-US" sz="800" dirty="0" smtClean="0"/>
+              <a:t>からのスタートの合図を受け取る</a:t>
+            </a:r>
+            <a:endParaRPr lang="en-US" altLang="ja-JP" sz="800" dirty="0" smtClean="0"/>
+          </a:p>
+          <a:p>
+            <a:r>
+              <a:rPr lang="ja-JP" altLang="en-US" sz="800" dirty="0" smtClean="0"/>
+              <a:t>　　　 </a:t>
+            </a:r>
+            <a:r>
+              <a:rPr lang="en-US" altLang="ja-JP" sz="800" dirty="0" smtClean="0"/>
+              <a:t>b.</a:t>
+            </a:r>
+            <a:r>
+              <a:rPr lang="ja-JP" altLang="en-US" sz="800" dirty="0" smtClean="0"/>
+              <a:t>尻尾を動かす</a:t>
+            </a:r>
+            <a:endParaRPr lang="en-US" altLang="ja-JP" sz="800" dirty="0" smtClean="0"/>
+          </a:p>
+          <a:p>
+            <a:r>
+              <a:rPr lang="ja-JP" altLang="en-US" sz="800" dirty="0" smtClean="0"/>
+              <a:t>    　　</a:t>
+            </a:r>
+            <a:r>
+              <a:rPr lang="en-US" altLang="ja-JP" sz="800" dirty="0" smtClean="0"/>
+              <a:t>c.</a:t>
+            </a:r>
+            <a:r>
+              <a:rPr lang="ja-JP" altLang="en-US" sz="800" dirty="0" smtClean="0"/>
+              <a:t>モーター</a:t>
+            </a:r>
+            <a:r>
+              <a:rPr lang="ja-JP" altLang="en-US" sz="800" dirty="0" smtClean="0"/>
+              <a:t>を前進させる方向に駆動する</a:t>
+            </a:r>
+            <a:endParaRPr lang="en-US" altLang="ja-JP" sz="800" dirty="0" smtClean="0"/>
+          </a:p>
+          <a:p>
+            <a:endParaRPr lang="en-US" altLang="ja-JP" sz="800" dirty="0" smtClean="0"/>
+          </a:p>
+          <a:p>
+            <a:r>
+              <a:rPr lang="ja-JP" altLang="en-US" sz="800" dirty="0" smtClean="0"/>
+              <a:t>２．</a:t>
+            </a:r>
+            <a:r>
+              <a:rPr lang="ja-JP" altLang="en-US" sz="800" dirty="0" smtClean="0"/>
+              <a:t>ライントレース</a:t>
+            </a:r>
+            <a:r>
+              <a:rPr lang="ja-JP" altLang="en-US" sz="800" dirty="0" smtClean="0"/>
+              <a:t>走行に関する機能</a:t>
+            </a:r>
+            <a:endParaRPr lang="en-US" altLang="ja-JP" sz="800" dirty="0" smtClean="0"/>
+          </a:p>
+          <a:p>
+            <a:endParaRPr lang="en-US" altLang="ja-JP" sz="800" dirty="0"/>
+          </a:p>
+          <a:p>
+            <a:r>
+              <a:rPr lang="en-US" altLang="ja-JP" sz="800" dirty="0" smtClean="0"/>
+              <a:t>         a.</a:t>
+            </a:r>
+            <a:r>
+              <a:rPr lang="ja-JP" altLang="en-US" sz="800" dirty="0" smtClean="0"/>
+              <a:t>ライン</a:t>
+            </a:r>
+            <a:r>
+              <a:rPr lang="ja-JP" altLang="en-US" sz="800" dirty="0" smtClean="0"/>
+              <a:t>を認識する</a:t>
+            </a:r>
+            <a:r>
+              <a:rPr lang="ja-JP" altLang="en-US" sz="800" dirty="0" smtClean="0"/>
+              <a:t>こと</a:t>
+            </a:r>
+            <a:r>
+              <a:rPr lang="en-US" altLang="ja-JP" sz="800" dirty="0" smtClean="0"/>
+              <a:t>(</a:t>
+            </a:r>
+            <a:r>
+              <a:rPr lang="ja-JP" altLang="en-US" sz="800" dirty="0" smtClean="0"/>
+              <a:t>どんな照度であっても</a:t>
+            </a:r>
+            <a:r>
+              <a:rPr lang="en-US" altLang="ja-JP" sz="800" dirty="0" smtClean="0"/>
+              <a:t>)</a:t>
+            </a:r>
+            <a:endParaRPr lang="en-US" altLang="ja-JP" sz="800" dirty="0"/>
+          </a:p>
+          <a:p>
+            <a:r>
+              <a:rPr lang="en-US" altLang="ja-JP" sz="800" dirty="0" smtClean="0"/>
+              <a:t>         b.</a:t>
+            </a:r>
+            <a:r>
+              <a:rPr lang="ja-JP" altLang="en-US" sz="800" dirty="0" smtClean="0"/>
+              <a:t>安定</a:t>
+            </a:r>
+            <a:r>
+              <a:rPr lang="ja-JP" altLang="en-US" sz="800" dirty="0" smtClean="0"/>
+              <a:t>した走行を継続すること</a:t>
+            </a:r>
+            <a:endParaRPr lang="en-US" altLang="ja-JP" sz="800" dirty="0" smtClean="0"/>
+          </a:p>
+          <a:p>
+            <a:pPr marL="228600" indent="-228600">
+              <a:buAutoNum type="alphaLcPeriod" startAt="2"/>
+            </a:pPr>
+            <a:endParaRPr lang="en-US" altLang="ja-JP" sz="800" dirty="0"/>
+          </a:p>
+          <a:p>
+            <a:r>
+              <a:rPr lang="ja-JP" altLang="en-US" sz="800" dirty="0" smtClean="0"/>
+              <a:t>これらの挙動をおこさないようにする。</a:t>
+            </a:r>
+            <a:endParaRPr lang="en-US" altLang="ja-JP" sz="800" dirty="0" smtClean="0"/>
+          </a:p>
+          <a:p>
+            <a:endParaRPr kumimoji="1" lang="en-US" altLang="ja-JP" sz="800" dirty="0"/>
+          </a:p>
+          <a:p>
+            <a:endParaRPr kumimoji="1" lang="ja-JP" altLang="en-US" sz="800" dirty="0"/>
+          </a:p>
+        </p:txBody>
+      </p:sp>
+      <p:sp>
+        <p:nvSpPr>
+          <p:cNvPr id="36" name="テキスト ボックス 35"/>
           <p:cNvSpPr txBox="1"/>
           <p:nvPr/>
         </p:nvSpPr>
         <p:spPr>
           <a:xfrm>
-            <a:off x="4914470" y="4717976"/>
-            <a:ext cx="1171430" cy="261610"/>
+            <a:off x="3207891" y="920463"/>
+            <a:ext cx="1787248" cy="707886"/>
           </a:xfrm>
           <a:prstGeom prst="rect">
             <a:avLst/>
           </a:prstGeom>
           <a:noFill/>
-          <a:ln>
-            <a:solidFill>
-              <a:srgbClr val="FF0000"/>
-            </a:solidFill>
-          </a:ln>
         </p:spPr>
         <p:txBody>
           <a:bodyPr wrap="square" rtlCol="0">
@@ -5861,38 +5994,62 @@
           <a:lstStyle/>
           <a:p>
             <a:r>
-              <a:rPr kumimoji="1" lang="ja-JP" altLang="en-US" sz="1100" dirty="0" smtClean="0">
-                <a:solidFill>
-                  <a:srgbClr val="FF0000"/>
-                </a:solidFill>
-              </a:rPr>
-              <a:t>急ブレーキ厳禁</a:t>
-            </a:r>
-            <a:endParaRPr kumimoji="1" lang="ja-JP" altLang="en-US" sz="1100" dirty="0">
-              <a:solidFill>
-                <a:srgbClr val="FF0000"/>
-              </a:solidFill>
-            </a:endParaRPr>
-          </a:p>
-        </p:txBody>
-      </p:sp>
-      <p:sp>
-        <p:nvSpPr>
-          <p:cNvPr id="18" name="円/楕円 17"/>
+              <a:rPr lang="en-US" altLang="ja-JP" sz="800" dirty="0" smtClean="0"/>
+              <a:t>Bluetooth</a:t>
+            </a:r>
+            <a:r>
+              <a:rPr lang="ja-JP" altLang="en-US" sz="800" dirty="0" smtClean="0"/>
+              <a:t>の通信を行う。</a:t>
+            </a:r>
+            <a:endParaRPr lang="en-US" altLang="ja-JP" sz="800" dirty="0" smtClean="0"/>
+          </a:p>
+          <a:p>
+            <a:endParaRPr lang="en-US" altLang="ja-JP" sz="800" dirty="0"/>
+          </a:p>
+          <a:p>
+            <a:r>
+              <a:rPr lang="ja-JP" altLang="en-US" sz="800" dirty="0" smtClean="0"/>
+              <a:t>スタートの合図を</a:t>
+            </a:r>
+            <a:r>
+              <a:rPr lang="ja-JP" altLang="en-US" sz="800" dirty="0" smtClean="0"/>
+              <a:t>、走行を司るオブジェクトに通知する。</a:t>
+            </a:r>
+            <a:endParaRPr lang="en-US" altLang="ja-JP" sz="800" dirty="0" smtClean="0"/>
+          </a:p>
+          <a:p>
+            <a:endParaRPr lang="en-US" altLang="ja-JP" sz="800" dirty="0"/>
+          </a:p>
+        </p:txBody>
+      </p:sp>
+      <p:sp>
+        <p:nvSpPr>
+          <p:cNvPr id="3" name="角丸四角形 2"/>
           <p:cNvSpPr/>
           <p:nvPr/>
         </p:nvSpPr>
         <p:spPr>
           <a:xfrm>
-            <a:off x="3220677" y="5717448"/>
-            <a:ext cx="1793734" cy="388639"/>
-          </a:xfrm>
-          <a:prstGeom prst="ellipse">
+            <a:off x="77761" y="1232718"/>
+            <a:ext cx="2797783" cy="241751"/>
+          </a:xfrm>
+          <a:prstGeom prst="roundRect">
             <a:avLst/>
           </a:prstGeom>
           <a:solidFill>
-            <a:srgbClr val="FFC000"/>
+            <a:schemeClr val="accent4">
+              <a:lumMod val="40000"/>
+              <a:lumOff val="60000"/>
+            </a:schemeClr>
           </a:solidFill>
+          <a:ln>
+            <a:solidFill>
+              <a:schemeClr val="accent4">
+                <a:lumMod val="40000"/>
+                <a:lumOff val="60000"/>
+              </a:schemeClr>
+            </a:solidFill>
+          </a:ln>
         </p:spPr>
         <p:style>
           <a:lnRef idx="2">
@@ -5916,77 +6073,47 @@
           <a:p>
             <a:pPr algn="ctr"/>
             <a:r>
-              <a:rPr kumimoji="1" lang="en-US" altLang="ja-JP" sz="1000" dirty="0" smtClean="0"/>
-              <a:t>PID</a:t>
-            </a:r>
-            <a:r>
-              <a:rPr kumimoji="1" lang="ja-JP" altLang="en-US" sz="1000" dirty="0" smtClean="0"/>
-              <a:t>制御</a:t>
-            </a:r>
-            <a:endParaRPr kumimoji="1" lang="ja-JP" altLang="en-US" sz="1000" dirty="0"/>
-          </a:p>
-        </p:txBody>
-      </p:sp>
-      <p:sp>
-        <p:nvSpPr>
-          <p:cNvPr id="20" name="テキスト ボックス 19"/>
-          <p:cNvSpPr txBox="1"/>
-          <p:nvPr/>
-        </p:nvSpPr>
-        <p:spPr>
-          <a:xfrm>
-            <a:off x="3469416" y="4726759"/>
-            <a:ext cx="1171430" cy="261610"/>
-          </a:xfrm>
-          <a:prstGeom prst="rect">
-            <a:avLst/>
-          </a:prstGeom>
-          <a:noFill/>
+              <a:rPr lang="ja-JP" altLang="en-US" sz="900" dirty="0">
+                <a:solidFill>
+                  <a:schemeClr val="tx1"/>
+                </a:solidFill>
+              </a:rPr>
+              <a:t>機能</a:t>
+            </a:r>
+            <a:endParaRPr kumimoji="1" lang="ja-JP" altLang="en-US" sz="900" dirty="0" smtClean="0">
+              <a:solidFill>
+                <a:schemeClr val="tx1"/>
+              </a:solidFill>
+            </a:endParaRPr>
+          </a:p>
+        </p:txBody>
+      </p:sp>
+      <p:sp>
+        <p:nvSpPr>
+          <p:cNvPr id="6" name="角丸四角形 5"/>
+          <p:cNvSpPr/>
+          <p:nvPr/>
+        </p:nvSpPr>
+        <p:spPr>
+          <a:xfrm>
+            <a:off x="3238084" y="232845"/>
+            <a:ext cx="5612968" cy="299685"/>
+          </a:xfrm>
+          <a:prstGeom prst="roundRect">
+            <a:avLst/>
+          </a:prstGeom>
+          <a:solidFill>
+            <a:schemeClr val="bg1">
+              <a:lumMod val="95000"/>
+            </a:schemeClr>
+          </a:solidFill>
           <a:ln>
             <a:solidFill>
-              <a:srgbClr val="FF0000"/>
+              <a:schemeClr val="accent1">
+                <a:lumMod val="50000"/>
+              </a:schemeClr>
             </a:solidFill>
           </a:ln>
-        </p:spPr>
-        <p:txBody>
-          <a:bodyPr wrap="square" rtlCol="0">
-            <a:spAutoFit/>
-          </a:bodyPr>
-          <a:lstStyle/>
-          <a:p>
-            <a:r>
-              <a:rPr kumimoji="1" lang="ja-JP" altLang="en-US" sz="1100" dirty="0" smtClean="0">
-                <a:solidFill>
-                  <a:srgbClr val="FF0000"/>
-                </a:solidFill>
-              </a:rPr>
-              <a:t>急ハンドル厳禁</a:t>
-            </a:r>
-            <a:endParaRPr kumimoji="1" lang="ja-JP" altLang="en-US" sz="1100" dirty="0">
-              <a:solidFill>
-                <a:srgbClr val="FF0000"/>
-              </a:solidFill>
-            </a:endParaRPr>
-          </a:p>
-        </p:txBody>
-      </p:sp>
-      <p:sp>
-        <p:nvSpPr>
-          <p:cNvPr id="21" name="円/楕円 20"/>
-          <p:cNvSpPr/>
-          <p:nvPr/>
-        </p:nvSpPr>
-        <p:spPr>
-          <a:xfrm>
-            <a:off x="5183338" y="5769876"/>
-            <a:ext cx="1768178" cy="388639"/>
-          </a:xfrm>
-          <a:prstGeom prst="ellipse">
-            <a:avLst/>
-          </a:prstGeom>
-          <a:solidFill>
-            <a:schemeClr val="accent4"/>
-          </a:solidFill>
         </p:spPr>
         <p:style>
           <a:lnRef idx="2">
@@ -6010,27 +6137,48 @@
           <a:p>
             <a:pPr algn="ctr"/>
             <a:r>
-              <a:rPr lang="ja-JP" altLang="en-US" sz="1000" dirty="0" smtClean="0"/>
-              <a:t>走行中のスピードの調節</a:t>
-            </a:r>
-            <a:endParaRPr kumimoji="1" lang="ja-JP" altLang="en-US" sz="1000" dirty="0"/>
-          </a:p>
-        </p:txBody>
-      </p:sp>
-      <p:sp>
-        <p:nvSpPr>
-          <p:cNvPr id="22" name="円/楕円 21"/>
+              <a:rPr lang="ja-JP" altLang="en-US" sz="1000" dirty="0">
+                <a:solidFill>
+                  <a:schemeClr val="tx1"/>
+                </a:solidFill>
+              </a:rPr>
+              <a:t>安定したスタートに必要</a:t>
+            </a:r>
+            <a:r>
+              <a:rPr lang="ja-JP" altLang="en-US" sz="1000" dirty="0" smtClean="0">
+                <a:solidFill>
+                  <a:schemeClr val="tx1"/>
+                </a:solidFill>
+              </a:rPr>
+              <a:t>な機能</a:t>
+            </a:r>
+            <a:endParaRPr lang="ja-JP" altLang="en-US" sz="1000" dirty="0">
+              <a:solidFill>
+                <a:schemeClr val="tx1"/>
+              </a:solidFill>
+            </a:endParaRPr>
+          </a:p>
+        </p:txBody>
+      </p:sp>
+      <p:sp>
+        <p:nvSpPr>
+          <p:cNvPr id="37" name="角丸四角形 36"/>
           <p:cNvSpPr/>
           <p:nvPr/>
         </p:nvSpPr>
         <p:spPr>
           <a:xfrm>
-            <a:off x="6329446" y="4245098"/>
-            <a:ext cx="1651769" cy="304024"/>
-          </a:xfrm>
-          <a:prstGeom prst="ellipse">
-            <a:avLst/>
-          </a:prstGeom>
+            <a:off x="3159502" y="2244674"/>
+            <a:ext cx="5655692" cy="295630"/>
+          </a:xfrm>
+          <a:prstGeom prst="roundRect">
+            <a:avLst/>
+          </a:prstGeom>
+          <a:solidFill>
+            <a:schemeClr val="bg1">
+              <a:lumMod val="95000"/>
+            </a:schemeClr>
+          </a:solidFill>
         </p:spPr>
         <p:style>
           <a:lnRef idx="2">
@@ -6054,33 +6202,39 @@
           <a:p>
             <a:pPr algn="ctr"/>
             <a:r>
-              <a:rPr kumimoji="1" lang="ja-JP" altLang="en-US" sz="1000" u="sng" dirty="0" smtClean="0">
+              <a:rPr lang="ja-JP" altLang="en-US" sz="1000" dirty="0" smtClean="0">
                 <a:solidFill>
-                  <a:srgbClr val="FF0000"/>
+                  <a:schemeClr val="tx1"/>
                 </a:solidFill>
               </a:rPr>
-              <a:t>ラインの判定</a:t>
-            </a:r>
-            <a:endParaRPr kumimoji="1" lang="ja-JP" altLang="en-US" sz="1000" dirty="0"/>
-          </a:p>
-        </p:txBody>
-      </p:sp>
-      <p:sp>
-        <p:nvSpPr>
-          <p:cNvPr id="23" name="円/楕円 22"/>
+              <a:t>ライントレース走行に必要な機能</a:t>
+            </a:r>
+            <a:endParaRPr lang="ja-JP" altLang="en-US" sz="1000" dirty="0">
+              <a:solidFill>
+                <a:schemeClr val="tx1"/>
+              </a:solidFill>
+            </a:endParaRPr>
+          </a:p>
+        </p:txBody>
+      </p:sp>
+      <p:sp>
+        <p:nvSpPr>
+          <p:cNvPr id="38" name="角丸四角形 37"/>
           <p:cNvSpPr/>
           <p:nvPr/>
         </p:nvSpPr>
         <p:spPr>
           <a:xfrm>
-            <a:off x="7082874" y="5715327"/>
-            <a:ext cx="1768178" cy="388639"/>
-          </a:xfrm>
-          <a:prstGeom prst="ellipse">
+            <a:off x="3238084" y="585690"/>
+            <a:ext cx="1776327" cy="296316"/>
+          </a:xfrm>
+          <a:prstGeom prst="roundRect">
             <a:avLst/>
           </a:prstGeom>
           <a:solidFill>
-            <a:schemeClr val="accent4"/>
+            <a:schemeClr val="bg1">
+              <a:lumMod val="95000"/>
+            </a:schemeClr>
           </a:solidFill>
         </p:spPr>
         <p:style>
@@ -6105,27 +6259,48 @@
           <a:p>
             <a:pPr algn="ctr"/>
             <a:r>
-              <a:rPr lang="ja-JP" altLang="en-US" sz="1000" dirty="0" smtClean="0"/>
-              <a:t>光センサーの値の取り扱い</a:t>
-            </a:r>
-            <a:endParaRPr kumimoji="1" lang="ja-JP" altLang="en-US" sz="1000" dirty="0"/>
-          </a:p>
-        </p:txBody>
-      </p:sp>
-      <p:sp>
-        <p:nvSpPr>
-          <p:cNvPr id="24" name="円/楕円 23"/>
+              <a:rPr lang="en-US" altLang="ja-JP" sz="1000" dirty="0">
+                <a:solidFill>
+                  <a:schemeClr val="tx1"/>
+                </a:solidFill>
+              </a:rPr>
+              <a:t>Bluetooth</a:t>
+            </a:r>
+            <a:r>
+              <a:rPr lang="ja-JP" altLang="en-US" sz="1000" dirty="0">
+                <a:solidFill>
+                  <a:schemeClr val="tx1"/>
+                </a:solidFill>
+              </a:rPr>
+              <a:t>通信</a:t>
+            </a:r>
+            <a:endParaRPr lang="ja-JP" altLang="en-US" sz="1000" dirty="0">
+              <a:solidFill>
+                <a:schemeClr val="tx1"/>
+              </a:solidFill>
+            </a:endParaRPr>
+          </a:p>
+        </p:txBody>
+      </p:sp>
+      <p:sp>
+        <p:nvSpPr>
+          <p:cNvPr id="41" name="角丸四角形 40"/>
           <p:cNvSpPr/>
           <p:nvPr/>
         </p:nvSpPr>
         <p:spPr>
           <a:xfrm>
-            <a:off x="3280061" y="249627"/>
-            <a:ext cx="1690422" cy="537636"/>
-          </a:xfrm>
-          <a:prstGeom prst="ellipse">
-            <a:avLst/>
-          </a:prstGeom>
+            <a:off x="5057816" y="585450"/>
+            <a:ext cx="1800183" cy="296316"/>
+          </a:xfrm>
+          <a:prstGeom prst="roundRect">
+            <a:avLst/>
+          </a:prstGeom>
+          <a:solidFill>
+            <a:schemeClr val="bg1">
+              <a:lumMod val="95000"/>
+            </a:schemeClr>
+          </a:solidFill>
         </p:spPr>
         <p:style>
           <a:lnRef idx="2">
@@ -6149,157 +6324,40 @@
           <a:p>
             <a:pPr algn="ctr"/>
             <a:r>
-              <a:rPr lang="ja-JP" altLang="en-US" sz="1000" dirty="0" smtClean="0"/>
-              <a:t>安定したスタートに必要なこと</a:t>
-            </a:r>
-            <a:endParaRPr kumimoji="1" lang="ja-JP" altLang="en-US" sz="1000" dirty="0"/>
-          </a:p>
-        </p:txBody>
-      </p:sp>
-      <p:sp>
-        <p:nvSpPr>
-          <p:cNvPr id="7" name="テキスト ボックス 6"/>
-          <p:cNvSpPr txBox="1"/>
-          <p:nvPr/>
-        </p:nvSpPr>
-        <p:spPr>
-          <a:xfrm>
-            <a:off x="4999570" y="281720"/>
-            <a:ext cx="3863339" cy="1077218"/>
-          </a:xfrm>
-          <a:prstGeom prst="rect">
-            <a:avLst/>
-          </a:prstGeom>
-          <a:noFill/>
-        </p:spPr>
-        <p:txBody>
-          <a:bodyPr wrap="square" rtlCol="0">
-            <a:spAutoFit/>
-          </a:bodyPr>
-          <a:lstStyle/>
-          <a:p>
-            <a:r>
-              <a:rPr lang="ja-JP" altLang="en-US" sz="800" dirty="0" smtClean="0"/>
-              <a:t>モータへのパワーの与え方</a:t>
-            </a:r>
-            <a:endParaRPr lang="en-US" altLang="ja-JP" sz="800" dirty="0" smtClean="0"/>
-          </a:p>
-          <a:p>
-            <a:endParaRPr kumimoji="1" lang="en-US" altLang="ja-JP" sz="800" dirty="0"/>
-          </a:p>
-          <a:p>
-            <a:r>
-              <a:rPr kumimoji="1" lang="ja-JP" altLang="en-US" sz="800" dirty="0" smtClean="0"/>
-              <a:t>モータに大きなパワーをかけて発進しようとすると、その反動で走行体上部が大きく振れる→反対側に傾けてバランスを取ろうとする。</a:t>
-            </a:r>
-            <a:endParaRPr kumimoji="1" lang="en-US" altLang="ja-JP" sz="800" dirty="0" smtClean="0"/>
-          </a:p>
-          <a:p>
-            <a:r>
-              <a:rPr lang="ja-JP" altLang="en-US" sz="800" dirty="0" smtClean="0"/>
-              <a:t>→かえってスピードが出ない。</a:t>
-            </a:r>
-            <a:endParaRPr lang="en-US" altLang="ja-JP" sz="800" dirty="0" smtClean="0"/>
-          </a:p>
-          <a:p>
-            <a:endParaRPr kumimoji="1" lang="en-US" altLang="ja-JP" sz="800" dirty="0"/>
-          </a:p>
-          <a:p>
-            <a:r>
-              <a:rPr kumimoji="1" lang="ja-JP" altLang="en-US" sz="800" dirty="0" smtClean="0"/>
-              <a:t>小さすぎるパワーでは、その場で静止してしまう。</a:t>
-            </a:r>
-            <a:endParaRPr kumimoji="1" lang="en-US" altLang="ja-JP" sz="800" dirty="0" smtClean="0"/>
-          </a:p>
-          <a:p>
-            <a:endParaRPr lang="en-US" altLang="ja-JP" sz="800" dirty="0"/>
-          </a:p>
-        </p:txBody>
-      </p:sp>
-      <p:sp>
-        <p:nvSpPr>
-          <p:cNvPr id="26" name="テキスト ボックス 25"/>
-          <p:cNvSpPr txBox="1"/>
-          <p:nvPr/>
-        </p:nvSpPr>
-        <p:spPr>
-          <a:xfrm>
-            <a:off x="4970483" y="1329405"/>
-            <a:ext cx="3863339" cy="830997"/>
-          </a:xfrm>
-          <a:prstGeom prst="rect">
-            <a:avLst/>
-          </a:prstGeom>
-          <a:noFill/>
-        </p:spPr>
-        <p:txBody>
-          <a:bodyPr wrap="square" rtlCol="0">
-            <a:spAutoFit/>
-          </a:bodyPr>
-          <a:lstStyle/>
-          <a:p>
-            <a:r>
-              <a:rPr lang="ja-JP" altLang="en-US" sz="800" dirty="0" smtClean="0"/>
-              <a:t>尻尾の反動</a:t>
-            </a:r>
-            <a:endParaRPr lang="en-US" altLang="ja-JP" sz="800" dirty="0" smtClean="0"/>
-          </a:p>
-          <a:p>
-            <a:endParaRPr kumimoji="1" lang="en-US" altLang="ja-JP" sz="800" dirty="0" smtClean="0"/>
-          </a:p>
-          <a:p>
-            <a:r>
-              <a:rPr lang="ja-JP" altLang="en-US" sz="800" dirty="0" smtClean="0"/>
-              <a:t>起立した状態から、尻尾を上げスタートする。</a:t>
-            </a:r>
-            <a:endParaRPr lang="en-US" altLang="ja-JP" sz="800" dirty="0" smtClean="0"/>
-          </a:p>
-          <a:p>
-            <a:r>
-              <a:rPr lang="ja-JP" altLang="en-US" sz="800" dirty="0" smtClean="0"/>
-              <a:t>ゆっくり</a:t>
-            </a:r>
-            <a:r>
-              <a:rPr lang="ja-JP" altLang="en-US" sz="800" dirty="0"/>
-              <a:t>過</a:t>
-            </a:r>
-            <a:r>
-              <a:rPr lang="ja-JP" altLang="en-US" sz="800" dirty="0" smtClean="0"/>
-              <a:t>ぎると、後ろに傾く。</a:t>
-            </a:r>
-            <a:endParaRPr lang="en-US" altLang="ja-JP" sz="800" dirty="0" smtClean="0"/>
-          </a:p>
-          <a:p>
-            <a:r>
-              <a:rPr lang="ja-JP" altLang="en-US" sz="800" dirty="0"/>
-              <a:t>早</a:t>
-            </a:r>
-            <a:r>
-              <a:rPr lang="ja-JP" altLang="en-US" sz="800" dirty="0" smtClean="0"/>
-              <a:t>すぎると反動により、ぐらつく。</a:t>
-            </a:r>
-            <a:endParaRPr lang="en-US" altLang="ja-JP" sz="800" dirty="0" smtClean="0"/>
-          </a:p>
-          <a:p>
-            <a:endParaRPr lang="en-US" altLang="ja-JP" sz="800" dirty="0"/>
-          </a:p>
-        </p:txBody>
-      </p:sp>
-      <p:sp>
-        <p:nvSpPr>
-          <p:cNvPr id="10" name="正方形/長方形 9"/>
+              <a:rPr lang="ja-JP" altLang="en-US" sz="1000" dirty="0">
+                <a:solidFill>
+                  <a:schemeClr val="tx1"/>
+                </a:solidFill>
+              </a:rPr>
+              <a:t>尻尾の制御</a:t>
+            </a:r>
+            <a:endParaRPr lang="ja-JP" altLang="en-US" sz="1000" dirty="0">
+              <a:solidFill>
+                <a:schemeClr val="tx1"/>
+              </a:solidFill>
+            </a:endParaRPr>
+          </a:p>
+        </p:txBody>
+      </p:sp>
+      <p:sp>
+        <p:nvSpPr>
+          <p:cNvPr id="42" name="角丸四角形 41"/>
           <p:cNvSpPr/>
           <p:nvPr/>
         </p:nvSpPr>
         <p:spPr>
           <a:xfrm>
-            <a:off x="3207094" y="124160"/>
-            <a:ext cx="5757612" cy="3004521"/>
-          </a:xfrm>
-          <a:prstGeom prst="rect">
-            <a:avLst/>
-          </a:prstGeom>
-          <a:noFill/>
+            <a:off x="6910663" y="579936"/>
+            <a:ext cx="1901626" cy="296316"/>
+          </a:xfrm>
+          <a:prstGeom prst="roundRect">
+            <a:avLst/>
+          </a:prstGeom>
+          <a:solidFill>
+            <a:schemeClr val="bg1">
+              <a:lumMod val="95000"/>
+            </a:schemeClr>
+          </a:solidFill>
         </p:spPr>
         <p:style>
           <a:lnRef idx="2">
@@ -6322,25 +6380,57 @@
           <a:lstStyle/>
           <a:p>
             <a:pPr algn="ctr"/>
-            <a:endParaRPr kumimoji="1" lang="ja-JP" altLang="en-US"/>
-          </a:p>
-        </p:txBody>
-      </p:sp>
-      <p:sp>
-        <p:nvSpPr>
-          <p:cNvPr id="31" name="正方形/長方形 30"/>
+            <a:r>
+              <a:rPr lang="ja-JP" altLang="en-US" sz="1000" dirty="0">
+                <a:solidFill>
+                  <a:schemeClr val="tx1"/>
+                </a:solidFill>
+              </a:rPr>
+              <a:t>モータ</a:t>
+            </a:r>
+            <a:r>
+              <a:rPr lang="en-US" altLang="ja-JP" sz="1000" dirty="0">
+                <a:solidFill>
+                  <a:schemeClr val="tx1"/>
+                </a:solidFill>
+              </a:rPr>
+              <a:t>―</a:t>
+            </a:r>
+            <a:r>
+              <a:rPr lang="ja-JP" altLang="en-US" sz="1000" dirty="0">
+                <a:solidFill>
+                  <a:schemeClr val="tx1"/>
+                </a:solidFill>
+              </a:rPr>
+              <a:t>の駆動</a:t>
+            </a:r>
+            <a:endParaRPr lang="ja-JP" altLang="en-US" sz="1000" dirty="0">
+              <a:solidFill>
+                <a:schemeClr val="tx1"/>
+              </a:solidFill>
+            </a:endParaRPr>
+          </a:p>
+        </p:txBody>
+      </p:sp>
+      <p:sp>
+        <p:nvSpPr>
+          <p:cNvPr id="43" name="角丸四角形 42"/>
           <p:cNvSpPr/>
           <p:nvPr/>
         </p:nvSpPr>
         <p:spPr>
           <a:xfrm>
-            <a:off x="3155857" y="3285993"/>
-            <a:ext cx="5757612" cy="3004521"/>
-          </a:xfrm>
-          <a:prstGeom prst="rect">
-            <a:avLst/>
-          </a:prstGeom>
-          <a:noFill/>
+            <a:off x="7000411" y="2588183"/>
+            <a:ext cx="1825213" cy="296316"/>
+          </a:xfrm>
+          <a:prstGeom prst="roundRect">
+            <a:avLst/>
+          </a:prstGeom>
+          <a:solidFill>
+            <a:schemeClr val="bg1">
+              <a:lumMod val="95000"/>
+            </a:schemeClr>
+          </a:solidFill>
         </p:spPr>
         <p:style>
           <a:lnRef idx="2">
@@ -6363,20 +6453,32 @@
           <a:lstStyle/>
           <a:p>
             <a:pPr algn="ctr"/>
-            <a:endParaRPr kumimoji="1" lang="ja-JP" altLang="en-US"/>
-          </a:p>
-        </p:txBody>
-      </p:sp>
-      <p:sp>
-        <p:nvSpPr>
-          <p:cNvPr id="11" name="テキスト ボックス 10"/>
+            <a:r>
+              <a:rPr lang="ja-JP" altLang="en-US" sz="1000" dirty="0" smtClean="0">
+                <a:solidFill>
+                  <a:schemeClr val="tx1"/>
+                </a:solidFill>
+              </a:rPr>
+              <a:t>ラインの認識</a:t>
+            </a:r>
+            <a:endParaRPr lang="ja-JP" altLang="en-US" sz="1000" dirty="0">
+              <a:solidFill>
+                <a:schemeClr val="tx1"/>
+              </a:solidFill>
+            </a:endParaRPr>
+          </a:p>
+        </p:txBody>
+      </p:sp>
+      <p:sp>
+        <p:nvSpPr>
+          <p:cNvPr id="44" name="テキスト ボックス 43"/>
           <p:cNvSpPr txBox="1"/>
           <p:nvPr/>
         </p:nvSpPr>
         <p:spPr>
           <a:xfrm>
-            <a:off x="78685" y="1271338"/>
-            <a:ext cx="2372506" cy="3170099"/>
+            <a:off x="6994909" y="2905890"/>
+            <a:ext cx="1770785" cy="1815882"/>
           </a:xfrm>
           <a:prstGeom prst="rect">
             <a:avLst/>
@@ -6390,34 +6492,32 @@
           <a:lstStyle/>
           <a:p>
             <a:r>
-              <a:rPr kumimoji="1" lang="ja-JP" altLang="en-US" sz="800" dirty="0" smtClean="0"/>
-              <a:t>機能として大きく</a:t>
-            </a:r>
-            <a:r>
-              <a:rPr kumimoji="1" lang="en-US" altLang="ja-JP" sz="800" dirty="0" smtClean="0"/>
-              <a:t>2</a:t>
-            </a:r>
-            <a:r>
-              <a:rPr kumimoji="1" lang="ja-JP" altLang="en-US" sz="800" dirty="0" smtClean="0"/>
-              <a:t>つ</a:t>
-            </a:r>
-            <a:endParaRPr kumimoji="1" lang="en-US" altLang="ja-JP" sz="800" dirty="0" smtClean="0"/>
-          </a:p>
-          <a:p>
-            <a:endParaRPr lang="en-US" altLang="ja-JP" sz="800" dirty="0"/>
-          </a:p>
-          <a:p>
-            <a:r>
-              <a:rPr kumimoji="1" lang="ja-JP" altLang="en-US" sz="800" dirty="0" smtClean="0"/>
-              <a:t>１．スタート</a:t>
-            </a:r>
-            <a:r>
-              <a:rPr kumimoji="1" lang="en-US" altLang="ja-JP" sz="800" dirty="0" smtClean="0"/>
+              <a:rPr lang="ja-JP" altLang="en-US" sz="800" dirty="0" smtClean="0"/>
+              <a:t>光センサの値によって</a:t>
+            </a:r>
+            <a:r>
+              <a:rPr lang="ja-JP" altLang="en-US" sz="800" dirty="0"/>
+              <a:t>、</a:t>
+            </a:r>
+            <a:r>
+              <a:rPr lang="ja-JP" altLang="en-US" sz="800" dirty="0" smtClean="0"/>
+              <a:t>ライン</a:t>
+            </a:r>
+            <a:r>
+              <a:rPr lang="en-US" altLang="ja-JP" sz="800" dirty="0" smtClean="0"/>
               <a:t>(</a:t>
             </a:r>
             <a:r>
               <a:rPr lang="ja-JP" altLang="en-US" sz="800" dirty="0" smtClean="0"/>
-              <a:t>発進する</a:t>
+              <a:t>ライン</a:t>
+            </a:r>
+            <a:r>
+              <a:rPr lang="ja-JP" altLang="en-US" sz="800" dirty="0"/>
+              <a:t>の</a:t>
+            </a:r>
+            <a:r>
+              <a:rPr lang="ja-JP" altLang="en-US" sz="800" dirty="0" smtClean="0"/>
+              <a:t>エッジ</a:t>
             </a:r>
             <a:r>
               <a:rPr lang="en-US" altLang="ja-JP" sz="800" dirty="0" smtClean="0"/>
@@ -6425,188 +6525,90 @@
             </a:r>
             <a:r>
               <a:rPr lang="ja-JP" altLang="en-US" sz="800" dirty="0" smtClean="0"/>
-              <a:t>こと</a:t>
+              <a:t>を</a:t>
+            </a:r>
+            <a:r>
+              <a:rPr lang="ja-JP" altLang="en-US" sz="800" dirty="0" smtClean="0"/>
+              <a:t>認識して走行する。</a:t>
             </a:r>
             <a:endParaRPr lang="en-US" altLang="ja-JP" sz="800" dirty="0" smtClean="0"/>
           </a:p>
           <a:p>
-            <a:endParaRPr kumimoji="1" lang="en-US" altLang="ja-JP" sz="800" dirty="0"/>
-          </a:p>
-          <a:p>
-            <a:r>
-              <a:rPr lang="ja-JP" altLang="en-US" sz="800" dirty="0" smtClean="0"/>
-              <a:t>静止した状態から、</a:t>
+            <a:endParaRPr lang="en-US" altLang="ja-JP" sz="800" dirty="0"/>
+          </a:p>
+          <a:p>
+            <a:r>
+              <a:rPr lang="ja-JP" altLang="en-US" sz="800" dirty="0" smtClean="0"/>
+              <a:t>白</a:t>
+            </a:r>
+            <a:r>
+              <a:rPr lang="ja-JP" altLang="en-US" sz="800" dirty="0" smtClean="0"/>
+              <a:t>地の明るさと、黒ラインの暗さを基準としたしきい値の設定が必要となる。</a:t>
             </a:r>
             <a:endParaRPr lang="en-US" altLang="ja-JP" sz="800" dirty="0" smtClean="0"/>
           </a:p>
           <a:p>
-            <a:pPr marL="228600" indent="-228600">
-              <a:buAutoNum type="alphaLcPeriod"/>
-            </a:pPr>
-            <a:r>
-              <a:rPr lang="ja-JP" altLang="en-US" sz="800" dirty="0" smtClean="0"/>
-              <a:t>尻尾を上げ</a:t>
+            <a:r>
+              <a:rPr lang="ja-JP" altLang="en-US" sz="800" dirty="0" smtClean="0"/>
+              <a:t>走行する環境により、これらは変化するものと考える。</a:t>
             </a:r>
             <a:endParaRPr lang="en-US" altLang="ja-JP" sz="800" dirty="0" smtClean="0"/>
           </a:p>
           <a:p>
-            <a:pPr marL="228600" indent="-228600">
-              <a:buAutoNum type="alphaLcPeriod"/>
-            </a:pPr>
-            <a:r>
-              <a:rPr lang="ja-JP" altLang="en-US" sz="800" dirty="0" smtClean="0"/>
-              <a:t>モーターを前進させる方向に駆動する</a:t>
+            <a:endParaRPr lang="en-US" altLang="ja-JP" sz="800" dirty="0"/>
+          </a:p>
+          <a:p>
+            <a:r>
+              <a:rPr lang="ja-JP" altLang="en-US" sz="800" dirty="0" smtClean="0"/>
+              <a:t>スタート前に</a:t>
+            </a:r>
+            <a:r>
+              <a:rPr lang="ja-JP" altLang="en-US" sz="800" b="1" dirty="0" smtClean="0">
+                <a:solidFill>
+                  <a:srgbClr val="FF0000"/>
+                </a:solidFill>
+              </a:rPr>
+              <a:t>キャリブレーション</a:t>
+            </a:r>
+            <a:r>
+              <a:rPr lang="ja-JP" altLang="en-US" sz="800" dirty="0" smtClean="0"/>
+              <a:t>を行い。しきい値を適切なものに調整する。</a:t>
             </a:r>
             <a:endParaRPr lang="en-US" altLang="ja-JP" sz="800" dirty="0" smtClean="0"/>
           </a:p>
           <a:p>
-            <a:pPr marL="228600" indent="-228600">
-              <a:buAutoNum type="alphaLcPeriod"/>
-            </a:pPr>
             <a:endParaRPr lang="en-US" altLang="ja-JP" sz="800" dirty="0"/>
           </a:p>
           <a:p>
-            <a:pPr marL="228600" indent="-228600">
-              <a:buAutoNum type="alphaLcPeriod"/>
-            </a:pPr>
+            <a:r>
+              <a:rPr lang="ja-JP" altLang="en-US" sz="800" dirty="0" smtClean="0"/>
+              <a:t>また、走行中にも光センサの値を収集保管し、しきい値の調整を行う。</a:t>
+            </a:r>
             <a:endParaRPr lang="en-US" altLang="ja-JP" sz="800" dirty="0" smtClean="0"/>
           </a:p>
           <a:p>
-            <a:r>
-              <a:rPr lang="ja-JP" altLang="en-US" sz="800" dirty="0" smtClean="0"/>
-              <a:t>２．ラインに沿って走行する</a:t>
-            </a:r>
-            <a:endParaRPr lang="en-US" altLang="ja-JP" sz="800" dirty="0" smtClean="0"/>
-          </a:p>
-          <a:p>
             <a:endParaRPr lang="en-US" altLang="ja-JP" sz="800" dirty="0"/>
           </a:p>
-          <a:p>
-            <a:pPr marL="228600" indent="-228600">
-              <a:buAutoNum type="alphaLcPeriod"/>
-            </a:pPr>
-            <a:r>
-              <a:rPr lang="ja-JP" altLang="en-US" sz="800" dirty="0" smtClean="0"/>
-              <a:t>ラインを認識すること</a:t>
-            </a:r>
-            <a:endParaRPr lang="en-US" altLang="ja-JP" sz="800" dirty="0" smtClean="0"/>
-          </a:p>
-          <a:p>
-            <a:r>
-              <a:rPr lang="en-US" altLang="ja-JP" sz="800" dirty="0" smtClean="0"/>
-              <a:t>(</a:t>
-            </a:r>
-            <a:r>
-              <a:rPr lang="ja-JP" altLang="en-US" sz="800" dirty="0" smtClean="0"/>
-              <a:t>どんな照度であっても</a:t>
-            </a:r>
-            <a:r>
-              <a:rPr lang="en-US" altLang="ja-JP" sz="800" dirty="0" smtClean="0"/>
-              <a:t>)</a:t>
-            </a:r>
-          </a:p>
-          <a:p>
-            <a:endParaRPr lang="en-US" altLang="ja-JP" sz="800" dirty="0"/>
-          </a:p>
-          <a:p>
-            <a:pPr marL="228600" indent="-228600">
-              <a:buAutoNum type="alphaLcPeriod" startAt="2"/>
-            </a:pPr>
-            <a:r>
-              <a:rPr lang="ja-JP" altLang="en-US" sz="800" dirty="0" smtClean="0"/>
-              <a:t>安定した走行を継続すること</a:t>
-            </a:r>
-            <a:endParaRPr lang="en-US" altLang="ja-JP" sz="800" dirty="0" smtClean="0"/>
-          </a:p>
-          <a:p>
-            <a:pPr marL="228600" indent="-228600">
-              <a:buAutoNum type="alphaLcPeriod" startAt="2"/>
-            </a:pPr>
-            <a:endParaRPr lang="en-US" altLang="ja-JP" sz="800" dirty="0"/>
-          </a:p>
-          <a:p>
-            <a:r>
-              <a:rPr lang="ja-JP" altLang="en-US" sz="800" dirty="0" smtClean="0"/>
-              <a:t>走行体がバランスを崩し、走行が不安定になる景気は、</a:t>
-            </a:r>
-            <a:endParaRPr lang="en-US" altLang="ja-JP" sz="800" dirty="0" smtClean="0"/>
-          </a:p>
-          <a:p>
-            <a:r>
-              <a:rPr lang="ja-JP" altLang="en-US" sz="800" dirty="0" smtClean="0"/>
-              <a:t>急ハンドル</a:t>
-            </a:r>
-            <a:endParaRPr lang="en-US" altLang="ja-JP" sz="800" dirty="0" smtClean="0"/>
-          </a:p>
-          <a:p>
-            <a:r>
-              <a:rPr lang="ja-JP" altLang="en-US" sz="800" dirty="0" smtClean="0"/>
-              <a:t>急アクセル</a:t>
-            </a:r>
-            <a:r>
-              <a:rPr lang="en-US" altLang="ja-JP" sz="800" dirty="0" smtClean="0"/>
-              <a:t>(</a:t>
-            </a:r>
-            <a:r>
-              <a:rPr lang="ja-JP" altLang="en-US" sz="800" dirty="0" smtClean="0"/>
-              <a:t>速度の上昇</a:t>
-            </a:r>
-            <a:r>
-              <a:rPr lang="en-US" altLang="ja-JP" sz="800" dirty="0" smtClean="0"/>
-              <a:t>)</a:t>
-            </a:r>
-          </a:p>
-          <a:p>
-            <a:r>
-              <a:rPr lang="ja-JP" altLang="en-US" sz="800" dirty="0" smtClean="0"/>
-              <a:t>急ブレーキ</a:t>
-            </a:r>
-            <a:r>
-              <a:rPr lang="en-US" altLang="ja-JP" sz="800" dirty="0" smtClean="0"/>
-              <a:t>(</a:t>
-            </a:r>
-            <a:r>
-              <a:rPr lang="ja-JP" altLang="en-US" sz="800" dirty="0" smtClean="0"/>
-              <a:t>速度の減少</a:t>
-            </a:r>
-            <a:r>
-              <a:rPr lang="en-US" altLang="ja-JP" sz="800" dirty="0" smtClean="0"/>
-              <a:t>)</a:t>
-            </a:r>
-          </a:p>
-          <a:p>
-            <a:endParaRPr lang="en-US" altLang="ja-JP" sz="800" dirty="0" smtClean="0"/>
-          </a:p>
-          <a:p>
-            <a:pPr marL="228600" indent="-228600">
-              <a:buAutoNum type="alphaLcPeriod"/>
-            </a:pPr>
-            <a:endParaRPr lang="en-US" altLang="ja-JP" sz="800" dirty="0" smtClean="0"/>
-          </a:p>
-          <a:p>
-            <a:endParaRPr kumimoji="1" lang="en-US" altLang="ja-JP" sz="800" dirty="0"/>
-          </a:p>
-          <a:p>
-            <a:endParaRPr kumimoji="1" lang="ja-JP" altLang="en-US" sz="800" dirty="0"/>
-          </a:p>
-        </p:txBody>
-      </p:sp>
-      <p:sp>
-        <p:nvSpPr>
-          <p:cNvPr id="33" name="円/楕円 32"/>
+        </p:txBody>
+      </p:sp>
+      <p:sp>
+        <p:nvSpPr>
+          <p:cNvPr id="53" name="角丸四角形 52"/>
           <p:cNvSpPr/>
           <p:nvPr/>
         </p:nvSpPr>
         <p:spPr>
           <a:xfrm>
-            <a:off x="6892953" y="1527455"/>
-            <a:ext cx="1768178" cy="1487467"/>
-          </a:xfrm>
-          <a:prstGeom prst="ellipse">
+            <a:off x="3163567" y="2593101"/>
+            <a:ext cx="3706974" cy="296316"/>
+          </a:xfrm>
+          <a:prstGeom prst="roundRect">
             <a:avLst/>
           </a:prstGeom>
           <a:solidFill>
-            <a:schemeClr val="accent4"/>
+            <a:schemeClr val="bg1">
+              <a:lumMod val="95000"/>
+            </a:schemeClr>
           </a:solidFill>
         </p:spPr>
         <p:style>
@@ -6631,46 +6633,41 @@
           <a:p>
             <a:pPr algn="ctr"/>
             <a:r>
-              <a:rPr lang="ja-JP" altLang="en-US" sz="1000" dirty="0" smtClean="0"/>
-              <a:t>細かい操作の組み合わせによって制御する</a:t>
-            </a:r>
-            <a:endParaRPr lang="en-US" altLang="ja-JP" sz="1000" dirty="0" smtClean="0"/>
-          </a:p>
-          <a:p>
-            <a:pPr algn="ctr"/>
-            <a:endParaRPr kumimoji="1" lang="en-US" altLang="ja-JP" sz="1000" dirty="0"/>
-          </a:p>
-          <a:p>
-            <a:pPr algn="ctr"/>
-            <a:r>
-              <a:rPr lang="en-US" altLang="ja-JP" sz="1000" dirty="0" smtClean="0"/>
-              <a:t>Bluetooth</a:t>
-            </a:r>
-            <a:r>
-              <a:rPr lang="ja-JP" altLang="en-US" sz="1000" dirty="0" smtClean="0"/>
-              <a:t>スタート</a:t>
-            </a:r>
-            <a:endParaRPr kumimoji="1" lang="ja-JP" altLang="en-US" sz="1000" dirty="0"/>
-          </a:p>
-        </p:txBody>
-      </p:sp>
-      <p:sp>
-        <p:nvSpPr>
-          <p:cNvPr id="34" name="円/楕円 33"/>
+              <a:rPr lang="ja-JP" altLang="en-US" sz="1000" dirty="0" smtClean="0">
+                <a:solidFill>
+                  <a:schemeClr val="tx1"/>
+                </a:solidFill>
+              </a:rPr>
+              <a:t>安定した走行の継続</a:t>
+            </a:r>
+            <a:endParaRPr lang="ja-JP" altLang="en-US" sz="1000" dirty="0">
+              <a:solidFill>
+                <a:schemeClr val="tx1"/>
+              </a:solidFill>
+            </a:endParaRPr>
+          </a:p>
+        </p:txBody>
+      </p:sp>
+      <p:sp>
+        <p:nvSpPr>
+          <p:cNvPr id="8" name="角丸四角形 7"/>
           <p:cNvSpPr/>
           <p:nvPr/>
         </p:nvSpPr>
         <p:spPr>
           <a:xfrm>
-            <a:off x="304862" y="4060978"/>
-            <a:ext cx="1793734" cy="388639"/>
-          </a:xfrm>
-          <a:prstGeom prst="ellipse">
+            <a:off x="3185567" y="2924747"/>
+            <a:ext cx="3668914" cy="611710"/>
+          </a:xfrm>
+          <a:prstGeom prst="roundRect">
             <a:avLst/>
           </a:prstGeom>
           <a:solidFill>
-            <a:srgbClr val="FFC000"/>
+            <a:schemeClr val="bg1"/>
           </a:solidFill>
+          <a:ln>
+            <a:noFill/>
+          </a:ln>
         </p:spPr>
         <p:style>
           <a:lnRef idx="2">
@@ -6692,12 +6689,1028 @@
           <a:bodyPr rtlCol="0" anchor="ctr"/>
           <a:lstStyle/>
           <a:p>
+            <a:r>
+              <a:rPr lang="ja-JP" altLang="en-US" sz="900" dirty="0" smtClean="0">
+                <a:solidFill>
+                  <a:schemeClr val="tx1"/>
+                </a:solidFill>
+              </a:rPr>
+              <a:t>事故</a:t>
+            </a:r>
+            <a:r>
+              <a:rPr lang="en-US" altLang="ja-JP" sz="900" dirty="0" smtClean="0">
+                <a:solidFill>
+                  <a:schemeClr val="tx1"/>
+                </a:solidFill>
+              </a:rPr>
+              <a:t> (</a:t>
+            </a:r>
+            <a:r>
+              <a:rPr kumimoji="1" lang="ja-JP" altLang="en-US" sz="900" dirty="0" smtClean="0">
+                <a:solidFill>
+                  <a:schemeClr val="tx1"/>
+                </a:solidFill>
+              </a:rPr>
+              <a:t>転倒／コースアウト</a:t>
+            </a:r>
+            <a:r>
+              <a:rPr kumimoji="1" lang="en-US" altLang="ja-JP" sz="900" dirty="0" smtClean="0">
+                <a:solidFill>
+                  <a:schemeClr val="tx1"/>
+                </a:solidFill>
+              </a:rPr>
+              <a:t>)</a:t>
+            </a:r>
+            <a:r>
+              <a:rPr kumimoji="1" lang="ja-JP" altLang="en-US" sz="900" dirty="0" smtClean="0">
+                <a:solidFill>
+                  <a:schemeClr val="tx1"/>
+                </a:solidFill>
+              </a:rPr>
+              <a:t>の原因となるもの</a:t>
+            </a:r>
+            <a:endParaRPr kumimoji="1" lang="en-US" altLang="ja-JP" sz="900" dirty="0" smtClean="0">
+              <a:solidFill>
+                <a:schemeClr val="tx1"/>
+              </a:solidFill>
+            </a:endParaRPr>
+          </a:p>
+          <a:p>
+            <a:endParaRPr lang="en-US" altLang="ja-JP" sz="900" dirty="0">
+              <a:solidFill>
+                <a:schemeClr val="tx1"/>
+              </a:solidFill>
+            </a:endParaRPr>
+          </a:p>
+          <a:p>
+            <a:endParaRPr kumimoji="1" lang="en-US" altLang="ja-JP" sz="900" dirty="0" smtClean="0">
+              <a:solidFill>
+                <a:schemeClr val="tx1"/>
+              </a:solidFill>
+            </a:endParaRPr>
+          </a:p>
+        </p:txBody>
+      </p:sp>
+      <p:sp>
+        <p:nvSpPr>
+          <p:cNvPr id="20" name="テキスト ボックス 19"/>
+          <p:cNvSpPr txBox="1"/>
+          <p:nvPr/>
+        </p:nvSpPr>
+        <p:spPr>
+          <a:xfrm>
+            <a:off x="3501589" y="3208927"/>
+            <a:ext cx="731667" cy="230832"/>
+          </a:xfrm>
+          <a:prstGeom prst="rect">
+            <a:avLst/>
+          </a:prstGeom>
+          <a:solidFill>
+            <a:schemeClr val="bg1"/>
+          </a:solidFill>
+          <a:ln>
+            <a:solidFill>
+              <a:srgbClr val="FF0000"/>
+            </a:solidFill>
+          </a:ln>
+        </p:spPr>
+        <p:txBody>
+          <a:bodyPr wrap="square" rtlCol="0">
+            <a:spAutoFit/>
+          </a:bodyPr>
+          <a:lstStyle/>
+          <a:p>
             <a:pPr algn="ctr"/>
             <a:r>
-              <a:rPr kumimoji="1" lang="ja-JP" altLang="en-US" sz="1000" dirty="0" smtClean="0"/>
-              <a:t>技術的な解決法＝機能</a:t>
-            </a:r>
-            <a:endParaRPr kumimoji="1" lang="ja-JP" altLang="en-US" sz="1000" dirty="0"/>
+              <a:rPr kumimoji="1" lang="ja-JP" altLang="en-US" sz="900" dirty="0" smtClean="0">
+                <a:solidFill>
+                  <a:srgbClr val="FF0000"/>
+                </a:solidFill>
+              </a:rPr>
+              <a:t>急ハンドル</a:t>
+            </a:r>
+            <a:endParaRPr kumimoji="1" lang="ja-JP" altLang="en-US" sz="900" dirty="0">
+              <a:solidFill>
+                <a:srgbClr val="FF0000"/>
+              </a:solidFill>
+            </a:endParaRPr>
+          </a:p>
+        </p:txBody>
+      </p:sp>
+      <p:sp>
+        <p:nvSpPr>
+          <p:cNvPr id="16" name="テキスト ボックス 15"/>
+          <p:cNvSpPr txBox="1"/>
+          <p:nvPr/>
+        </p:nvSpPr>
+        <p:spPr>
+          <a:xfrm>
+            <a:off x="4529995" y="3202062"/>
+            <a:ext cx="864794" cy="230832"/>
+          </a:xfrm>
+          <a:prstGeom prst="rect">
+            <a:avLst/>
+          </a:prstGeom>
+          <a:solidFill>
+            <a:schemeClr val="bg1"/>
+          </a:solidFill>
+          <a:ln>
+            <a:solidFill>
+              <a:srgbClr val="FF0000"/>
+            </a:solidFill>
+          </a:ln>
+        </p:spPr>
+        <p:txBody>
+          <a:bodyPr wrap="square" rtlCol="0">
+            <a:spAutoFit/>
+          </a:bodyPr>
+          <a:lstStyle/>
+          <a:p>
+            <a:pPr algn="ctr"/>
+            <a:r>
+              <a:rPr kumimoji="1" lang="ja-JP" altLang="en-US" sz="900" dirty="0" smtClean="0">
+                <a:solidFill>
+                  <a:srgbClr val="FF0000"/>
+                </a:solidFill>
+              </a:rPr>
+              <a:t>急アクセル</a:t>
+            </a:r>
+            <a:endParaRPr kumimoji="1" lang="ja-JP" altLang="en-US" sz="900" dirty="0">
+              <a:solidFill>
+                <a:srgbClr val="FF0000"/>
+              </a:solidFill>
+            </a:endParaRPr>
+          </a:p>
+        </p:txBody>
+      </p:sp>
+      <p:sp>
+        <p:nvSpPr>
+          <p:cNvPr id="17" name="テキスト ボックス 16"/>
+          <p:cNvSpPr txBox="1"/>
+          <p:nvPr/>
+        </p:nvSpPr>
+        <p:spPr>
+          <a:xfrm>
+            <a:off x="5552523" y="3186660"/>
+            <a:ext cx="869649" cy="230832"/>
+          </a:xfrm>
+          <a:prstGeom prst="rect">
+            <a:avLst/>
+          </a:prstGeom>
+          <a:solidFill>
+            <a:schemeClr val="bg1"/>
+          </a:solidFill>
+          <a:ln>
+            <a:solidFill>
+              <a:srgbClr val="FF0000"/>
+            </a:solidFill>
+          </a:ln>
+        </p:spPr>
+        <p:txBody>
+          <a:bodyPr wrap="square" rtlCol="0">
+            <a:spAutoFit/>
+          </a:bodyPr>
+          <a:lstStyle/>
+          <a:p>
+            <a:pPr algn="ctr"/>
+            <a:r>
+              <a:rPr kumimoji="1" lang="ja-JP" altLang="en-US" sz="900" dirty="0" smtClean="0">
+                <a:solidFill>
+                  <a:srgbClr val="FF0000"/>
+                </a:solidFill>
+              </a:rPr>
+              <a:t>急ブレーキ</a:t>
+            </a:r>
+            <a:endParaRPr kumimoji="1" lang="ja-JP" altLang="en-US" sz="900" dirty="0">
+              <a:solidFill>
+                <a:srgbClr val="FF0000"/>
+              </a:solidFill>
+            </a:endParaRPr>
+          </a:p>
+        </p:txBody>
+      </p:sp>
+      <p:sp>
+        <p:nvSpPr>
+          <p:cNvPr id="55" name="テキスト ボックス 54"/>
+          <p:cNvSpPr txBox="1"/>
+          <p:nvPr/>
+        </p:nvSpPr>
+        <p:spPr>
+          <a:xfrm>
+            <a:off x="4934480" y="3915306"/>
+            <a:ext cx="1952498" cy="1569660"/>
+          </a:xfrm>
+          <a:prstGeom prst="rect">
+            <a:avLst/>
+          </a:prstGeom>
+          <a:noFill/>
+        </p:spPr>
+        <p:txBody>
+          <a:bodyPr wrap="square" rtlCol="0">
+            <a:spAutoFit/>
+          </a:bodyPr>
+          <a:lstStyle/>
+          <a:p>
+            <a:r>
+              <a:rPr lang="ja-JP" altLang="en-US" sz="800" dirty="0" smtClean="0"/>
+              <a:t>走行中にスピードを制御し、急加速、急減速を</a:t>
+            </a:r>
+            <a:r>
+              <a:rPr lang="ja-JP" altLang="en-US" sz="800" dirty="0" smtClean="0"/>
+              <a:t>しない。</a:t>
+            </a:r>
+            <a:endParaRPr lang="en-US" altLang="ja-JP" sz="800" dirty="0" smtClean="0"/>
+          </a:p>
+          <a:p>
+            <a:endParaRPr lang="en-US" altLang="ja-JP" sz="800" dirty="0" smtClean="0"/>
+          </a:p>
+          <a:p>
+            <a:r>
+              <a:rPr kumimoji="1" lang="ja-JP" altLang="en-US" sz="800" dirty="0" smtClean="0"/>
+              <a:t>これにより、走行体の前後のバランスを大きく崩すことなく走行し、転倒のリスクを減らす。</a:t>
+            </a:r>
+            <a:endParaRPr kumimoji="1" lang="en-US" altLang="ja-JP" sz="800" dirty="0" smtClean="0"/>
+          </a:p>
+          <a:p>
+            <a:endParaRPr lang="en-US" altLang="ja-JP" sz="800" dirty="0" smtClean="0"/>
+          </a:p>
+          <a:p>
+            <a:r>
+              <a:rPr lang="ja-JP" altLang="en-US" sz="800" dirty="0" smtClean="0"/>
+              <a:t>また、前後の振幅を少なくすることでパワーの無駄遣いを減少させる。</a:t>
+            </a:r>
+            <a:endParaRPr lang="en-US" altLang="ja-JP" sz="800" dirty="0"/>
+          </a:p>
+          <a:p>
+            <a:endParaRPr kumimoji="1" lang="en-US" altLang="ja-JP" sz="800" dirty="0" smtClean="0"/>
+          </a:p>
+          <a:p>
+            <a:r>
+              <a:rPr kumimoji="1" lang="ja-JP" altLang="en-US" sz="800" dirty="0" smtClean="0"/>
+              <a:t>直線では「</a:t>
+            </a:r>
+            <a:r>
+              <a:rPr lang="ja-JP" altLang="en-US" sz="800" dirty="0" smtClean="0"/>
+              <a:t>加速」</a:t>
+            </a:r>
+            <a:r>
+              <a:rPr kumimoji="1" lang="ja-JP" altLang="en-US" sz="800" dirty="0" smtClean="0"/>
+              <a:t>、カーブでは「減速」することにより、コースアウトを防止する。</a:t>
+            </a:r>
+            <a:endParaRPr kumimoji="1" lang="en-US" altLang="ja-JP" sz="800" dirty="0" smtClean="0"/>
+          </a:p>
+        </p:txBody>
+      </p:sp>
+      <p:sp>
+        <p:nvSpPr>
+          <p:cNvPr id="56" name="テキスト ボックス 55"/>
+          <p:cNvSpPr txBox="1"/>
+          <p:nvPr/>
+        </p:nvSpPr>
+        <p:spPr>
+          <a:xfrm>
+            <a:off x="3132240" y="3925397"/>
+            <a:ext cx="1941120" cy="1079416"/>
+          </a:xfrm>
+          <a:prstGeom prst="rect">
+            <a:avLst/>
+          </a:prstGeom>
+          <a:noFill/>
+        </p:spPr>
+        <p:txBody>
+          <a:bodyPr wrap="square" rtlCol="0">
+            <a:spAutoFit/>
+          </a:bodyPr>
+          <a:lstStyle/>
+          <a:p>
+            <a:r>
+              <a:rPr lang="ja-JP" altLang="en-US" sz="800" dirty="0" smtClean="0"/>
+              <a:t>ライントレースの際の旋回角度</a:t>
+            </a:r>
+            <a:r>
+              <a:rPr lang="en-US" altLang="ja-JP" sz="800" dirty="0" smtClean="0"/>
+              <a:t>(</a:t>
+            </a:r>
+            <a:r>
+              <a:rPr lang="ja-JP" altLang="en-US" sz="800" dirty="0" smtClean="0"/>
+              <a:t>ハンドルの切れ角</a:t>
+            </a:r>
+            <a:r>
+              <a:rPr lang="en-US" altLang="ja-JP" sz="800" dirty="0" smtClean="0"/>
+              <a:t>)</a:t>
+            </a:r>
+            <a:r>
+              <a:rPr lang="ja-JP" altLang="en-US" sz="800" dirty="0" smtClean="0"/>
+              <a:t>を求めるために、フィードバック制御</a:t>
+            </a:r>
+            <a:r>
+              <a:rPr lang="en-US" altLang="ja-JP" sz="800" dirty="0" smtClean="0"/>
+              <a:t>(PID</a:t>
+            </a:r>
+            <a:r>
+              <a:rPr lang="ja-JP" altLang="en-US" sz="800" dirty="0" smtClean="0"/>
+              <a:t>制御</a:t>
+            </a:r>
+            <a:r>
+              <a:rPr lang="en-US" altLang="ja-JP" sz="800" dirty="0" smtClean="0"/>
+              <a:t>)</a:t>
+            </a:r>
+            <a:r>
+              <a:rPr lang="ja-JP" altLang="en-US" sz="800" dirty="0" smtClean="0"/>
+              <a:t>を行う。</a:t>
+            </a:r>
+            <a:endParaRPr lang="en-US" altLang="ja-JP" sz="800" dirty="0" smtClean="0"/>
+          </a:p>
+          <a:p>
+            <a:endParaRPr lang="en-US" altLang="ja-JP" sz="800" dirty="0" smtClean="0"/>
+          </a:p>
+          <a:p>
+            <a:r>
+              <a:rPr lang="en-US" altLang="ja-JP" sz="800" dirty="0" smtClean="0"/>
+              <a:t>PID</a:t>
+            </a:r>
+            <a:r>
+              <a:rPr lang="ja-JP" altLang="en-US" sz="800" dirty="0" smtClean="0"/>
+              <a:t>ゲインは、走行中情報から求める。また、走行体のスピードにより、</a:t>
+            </a:r>
+            <a:r>
+              <a:rPr lang="en-US" altLang="ja-JP" sz="800" dirty="0" smtClean="0"/>
+              <a:t>PID</a:t>
+            </a:r>
+            <a:r>
+              <a:rPr lang="ja-JP" altLang="en-US" sz="800" dirty="0" smtClean="0"/>
+              <a:t>それぞれのパラメータを切り替える。</a:t>
+            </a:r>
+            <a:endParaRPr lang="en-US" altLang="ja-JP" sz="800" dirty="0" smtClean="0"/>
+          </a:p>
+          <a:p>
+            <a:endParaRPr lang="en-US" altLang="ja-JP" sz="800" dirty="0" smtClean="0"/>
+          </a:p>
+        </p:txBody>
+      </p:sp>
+      <p:sp>
+        <p:nvSpPr>
+          <p:cNvPr id="57" name="角丸四角形 56"/>
+          <p:cNvSpPr/>
+          <p:nvPr/>
+        </p:nvSpPr>
+        <p:spPr>
+          <a:xfrm>
+            <a:off x="3185567" y="3561495"/>
+            <a:ext cx="3668914" cy="330777"/>
+          </a:xfrm>
+          <a:prstGeom prst="roundRect">
+            <a:avLst/>
+          </a:prstGeom>
+          <a:solidFill>
+            <a:schemeClr val="bg1"/>
+          </a:solidFill>
+          <a:ln>
+            <a:noFill/>
+          </a:ln>
+        </p:spPr>
+        <p:style>
+          <a:lnRef idx="2">
+            <a:schemeClr val="accent1">
+              <a:shade val="50000"/>
+            </a:schemeClr>
+          </a:lnRef>
+          <a:fillRef idx="1">
+            <a:schemeClr val="accent1"/>
+          </a:fillRef>
+          <a:effectRef idx="0">
+            <a:schemeClr val="accent1"/>
+          </a:effectRef>
+          <a:fontRef idx="minor">
+            <a:schemeClr val="lt1"/>
+          </a:fontRef>
+        </p:style>
+        <p:txBody>
+          <a:bodyPr rtlCol="0" anchor="ctr"/>
+          <a:lstStyle/>
+          <a:p>
+            <a:pPr algn="ctr"/>
+            <a:r>
+              <a:rPr lang="ja-JP" altLang="en-US" sz="900" b="1" dirty="0" smtClean="0">
+                <a:solidFill>
+                  <a:srgbClr val="FF0000"/>
+                </a:solidFill>
+              </a:rPr>
+              <a:t>これらの挙動は厳禁！</a:t>
+            </a:r>
+            <a:endParaRPr lang="en-US" altLang="ja-JP" sz="900" b="1" dirty="0">
+              <a:solidFill>
+                <a:srgbClr val="FF0000"/>
+              </a:solidFill>
+            </a:endParaRPr>
+          </a:p>
+        </p:txBody>
+      </p:sp>
+      <p:sp>
+        <p:nvSpPr>
+          <p:cNvPr id="58" name="角丸四角形 57"/>
+          <p:cNvSpPr/>
+          <p:nvPr/>
+        </p:nvSpPr>
+        <p:spPr>
+          <a:xfrm>
+            <a:off x="3241669" y="1632563"/>
+            <a:ext cx="3668993" cy="398682"/>
+          </a:xfrm>
+          <a:prstGeom prst="roundRect">
+            <a:avLst/>
+          </a:prstGeom>
+          <a:solidFill>
+            <a:schemeClr val="bg1"/>
+          </a:solidFill>
+          <a:ln>
+            <a:solidFill>
+              <a:srgbClr val="0070C0"/>
+            </a:solidFill>
+          </a:ln>
+        </p:spPr>
+        <p:style>
+          <a:lnRef idx="2">
+            <a:schemeClr val="accent1">
+              <a:shade val="50000"/>
+            </a:schemeClr>
+          </a:lnRef>
+          <a:fillRef idx="1">
+            <a:schemeClr val="accent1"/>
+          </a:fillRef>
+          <a:effectRef idx="0">
+            <a:schemeClr val="accent1"/>
+          </a:effectRef>
+          <a:fontRef idx="minor">
+            <a:schemeClr val="lt1"/>
+          </a:fontRef>
+        </p:style>
+        <p:txBody>
+          <a:bodyPr rtlCol="0" anchor="ctr"/>
+          <a:lstStyle/>
+          <a:p>
+            <a:pPr algn="ctr"/>
+            <a:r>
+              <a:rPr lang="ja-JP" altLang="en-US" sz="900" b="1" dirty="0" smtClean="0">
+                <a:solidFill>
+                  <a:schemeClr val="accent1">
+                    <a:lumMod val="50000"/>
+                  </a:schemeClr>
+                </a:solidFill>
+              </a:rPr>
+              <a:t>発進に特化した制御を行う</a:t>
+            </a:r>
+            <a:endParaRPr lang="en-US" altLang="ja-JP" sz="900" b="1" dirty="0">
+              <a:solidFill>
+                <a:schemeClr val="accent1">
+                  <a:lumMod val="50000"/>
+                </a:schemeClr>
+              </a:solidFill>
+            </a:endParaRPr>
+          </a:p>
+        </p:txBody>
+      </p:sp>
+      <p:sp>
+        <p:nvSpPr>
+          <p:cNvPr id="66" name="角丸四角形 65"/>
+          <p:cNvSpPr/>
+          <p:nvPr/>
+        </p:nvSpPr>
+        <p:spPr>
+          <a:xfrm>
+            <a:off x="3181556" y="5508000"/>
+            <a:ext cx="3697805" cy="934710"/>
+          </a:xfrm>
+          <a:prstGeom prst="roundRect">
+            <a:avLst/>
+          </a:prstGeom>
+          <a:solidFill>
+            <a:schemeClr val="bg1"/>
+          </a:solidFill>
+          <a:ln>
+            <a:solidFill>
+              <a:srgbClr val="0070C0"/>
+            </a:solidFill>
+          </a:ln>
+        </p:spPr>
+        <p:style>
+          <a:lnRef idx="2">
+            <a:schemeClr val="accent1">
+              <a:shade val="50000"/>
+            </a:schemeClr>
+          </a:lnRef>
+          <a:fillRef idx="1">
+            <a:schemeClr val="accent1"/>
+          </a:fillRef>
+          <a:effectRef idx="0">
+            <a:schemeClr val="accent1"/>
+          </a:effectRef>
+          <a:fontRef idx="minor">
+            <a:schemeClr val="lt1"/>
+          </a:fontRef>
+        </p:style>
+        <p:txBody>
+          <a:bodyPr rtlCol="0" anchor="t" anchorCtr="0"/>
+          <a:lstStyle/>
+          <a:p>
+            <a:r>
+              <a:rPr lang="ja-JP" altLang="en-US" sz="900" b="1" dirty="0" smtClean="0">
+                <a:solidFill>
+                  <a:schemeClr val="accent1">
+                    <a:lumMod val="50000"/>
+                  </a:schemeClr>
+                </a:solidFill>
+              </a:rPr>
+              <a:t>ライントレース走行制御</a:t>
+            </a:r>
+            <a:endParaRPr lang="en-US" altLang="ja-JP" sz="900" b="1" dirty="0">
+              <a:solidFill>
+                <a:schemeClr val="accent1">
+                  <a:lumMod val="50000"/>
+                </a:schemeClr>
+              </a:solidFill>
+            </a:endParaRPr>
+          </a:p>
+        </p:txBody>
+      </p:sp>
+      <p:sp>
+        <p:nvSpPr>
+          <p:cNvPr id="63" name="角丸四角形 62"/>
+          <p:cNvSpPr/>
+          <p:nvPr/>
+        </p:nvSpPr>
+        <p:spPr>
+          <a:xfrm>
+            <a:off x="3264245" y="5924106"/>
+            <a:ext cx="1497738" cy="383763"/>
+          </a:xfrm>
+          <a:prstGeom prst="roundRect">
+            <a:avLst/>
+          </a:prstGeom>
+          <a:solidFill>
+            <a:schemeClr val="bg1"/>
+          </a:solidFill>
+          <a:ln>
+            <a:solidFill>
+              <a:srgbClr val="0070C0"/>
+            </a:solidFill>
+          </a:ln>
+        </p:spPr>
+        <p:style>
+          <a:lnRef idx="2">
+            <a:schemeClr val="accent1">
+              <a:shade val="50000"/>
+            </a:schemeClr>
+          </a:lnRef>
+          <a:fillRef idx="1">
+            <a:schemeClr val="accent1"/>
+          </a:fillRef>
+          <a:effectRef idx="0">
+            <a:schemeClr val="accent1"/>
+          </a:effectRef>
+          <a:fontRef idx="minor">
+            <a:schemeClr val="lt1"/>
+          </a:fontRef>
+        </p:style>
+        <p:txBody>
+          <a:bodyPr rtlCol="0" anchor="ctr"/>
+          <a:lstStyle/>
+          <a:p>
+            <a:pPr algn="ctr"/>
+            <a:r>
+              <a:rPr lang="en-US" altLang="ja-JP" sz="900" b="1" dirty="0" smtClean="0">
+                <a:solidFill>
+                  <a:schemeClr val="accent1">
+                    <a:lumMod val="50000"/>
+                  </a:schemeClr>
+                </a:solidFill>
+              </a:rPr>
+              <a:t>PID</a:t>
+            </a:r>
+            <a:r>
+              <a:rPr lang="ja-JP" altLang="en-US" sz="900" b="1" dirty="0" smtClean="0">
+                <a:solidFill>
+                  <a:schemeClr val="accent1">
+                    <a:lumMod val="50000"/>
+                  </a:schemeClr>
+                </a:solidFill>
+              </a:rPr>
+              <a:t>制御</a:t>
+            </a:r>
+            <a:endParaRPr lang="en-US" altLang="ja-JP" sz="900" b="1" dirty="0">
+              <a:solidFill>
+                <a:schemeClr val="accent1">
+                  <a:lumMod val="50000"/>
+                </a:schemeClr>
+              </a:solidFill>
+            </a:endParaRPr>
+          </a:p>
+        </p:txBody>
+      </p:sp>
+      <p:sp>
+        <p:nvSpPr>
+          <p:cNvPr id="64" name="角丸四角形 63"/>
+          <p:cNvSpPr/>
+          <p:nvPr/>
+        </p:nvSpPr>
+        <p:spPr>
+          <a:xfrm>
+            <a:off x="5199430" y="5924107"/>
+            <a:ext cx="1582370" cy="372517"/>
+          </a:xfrm>
+          <a:prstGeom prst="roundRect">
+            <a:avLst/>
+          </a:prstGeom>
+          <a:solidFill>
+            <a:schemeClr val="bg1"/>
+          </a:solidFill>
+          <a:ln>
+            <a:solidFill>
+              <a:srgbClr val="0070C0"/>
+            </a:solidFill>
+          </a:ln>
+        </p:spPr>
+        <p:style>
+          <a:lnRef idx="2">
+            <a:schemeClr val="accent1">
+              <a:shade val="50000"/>
+            </a:schemeClr>
+          </a:lnRef>
+          <a:fillRef idx="1">
+            <a:schemeClr val="accent1"/>
+          </a:fillRef>
+          <a:effectRef idx="0">
+            <a:schemeClr val="accent1"/>
+          </a:effectRef>
+          <a:fontRef idx="minor">
+            <a:schemeClr val="lt1"/>
+          </a:fontRef>
+        </p:style>
+        <p:txBody>
+          <a:bodyPr rtlCol="0" anchor="ctr"/>
+          <a:lstStyle/>
+          <a:p>
+            <a:pPr algn="ctr"/>
+            <a:r>
+              <a:rPr lang="ja-JP" altLang="en-US" sz="900" b="1" dirty="0" smtClean="0">
+                <a:solidFill>
+                  <a:schemeClr val="accent1">
+                    <a:lumMod val="50000"/>
+                  </a:schemeClr>
+                </a:solidFill>
+              </a:rPr>
+              <a:t>スピード制御</a:t>
+            </a:r>
+            <a:endParaRPr lang="en-US" altLang="ja-JP" sz="900" b="1" dirty="0" smtClean="0">
+              <a:solidFill>
+                <a:schemeClr val="accent1">
+                  <a:lumMod val="50000"/>
+                </a:schemeClr>
+              </a:solidFill>
+            </a:endParaRPr>
+          </a:p>
+        </p:txBody>
+      </p:sp>
+      <p:sp>
+        <p:nvSpPr>
+          <p:cNvPr id="13" name="十字形 12"/>
+          <p:cNvSpPr/>
+          <p:nvPr/>
+        </p:nvSpPr>
+        <p:spPr>
+          <a:xfrm>
+            <a:off x="4871567" y="5989878"/>
+            <a:ext cx="252295" cy="262627"/>
+          </a:xfrm>
+          <a:prstGeom prst="plus">
+            <a:avLst>
+              <a:gd name="adj" fmla="val 37081"/>
+            </a:avLst>
+          </a:prstGeom>
+          <a:solidFill>
+            <a:srgbClr val="FFC000"/>
+          </a:solidFill>
+        </p:spPr>
+        <p:style>
+          <a:lnRef idx="2">
+            <a:schemeClr val="accent1">
+              <a:shade val="50000"/>
+            </a:schemeClr>
+          </a:lnRef>
+          <a:fillRef idx="1">
+            <a:schemeClr val="accent1"/>
+          </a:fillRef>
+          <a:effectRef idx="0">
+            <a:schemeClr val="accent1"/>
+          </a:effectRef>
+          <a:fontRef idx="minor">
+            <a:schemeClr val="lt1"/>
+          </a:fontRef>
+        </p:style>
+        <p:txBody>
+          <a:bodyPr rtlCol="0" anchor="ctr"/>
+          <a:lstStyle/>
+          <a:p>
+            <a:pPr algn="ctr"/>
+            <a:endParaRPr kumimoji="1" lang="ja-JP" altLang="en-US" sz="1000" dirty="0" smtClean="0"/>
+          </a:p>
+        </p:txBody>
+      </p:sp>
+      <p:sp>
+        <p:nvSpPr>
+          <p:cNvPr id="65" name="角丸四角形 64"/>
+          <p:cNvSpPr/>
+          <p:nvPr/>
+        </p:nvSpPr>
+        <p:spPr>
+          <a:xfrm>
+            <a:off x="7000411" y="5508000"/>
+            <a:ext cx="1930057" cy="914281"/>
+          </a:xfrm>
+          <a:prstGeom prst="roundRect">
+            <a:avLst/>
+          </a:prstGeom>
+          <a:solidFill>
+            <a:schemeClr val="bg1"/>
+          </a:solidFill>
+          <a:ln>
+            <a:solidFill>
+              <a:srgbClr val="0070C0"/>
+            </a:solidFill>
+          </a:ln>
+        </p:spPr>
+        <p:style>
+          <a:lnRef idx="2">
+            <a:schemeClr val="accent1">
+              <a:shade val="50000"/>
+            </a:schemeClr>
+          </a:lnRef>
+          <a:fillRef idx="1">
+            <a:schemeClr val="accent1"/>
+          </a:fillRef>
+          <a:effectRef idx="0">
+            <a:schemeClr val="accent1"/>
+          </a:effectRef>
+          <a:fontRef idx="minor">
+            <a:schemeClr val="lt1"/>
+          </a:fontRef>
+        </p:style>
+        <p:txBody>
+          <a:bodyPr rtlCol="0" anchor="b" anchorCtr="0"/>
+          <a:lstStyle/>
+          <a:p>
+            <a:pPr algn="ctr"/>
+            <a:r>
+              <a:rPr lang="ja-JP" altLang="en-US" sz="900" b="1" dirty="0" smtClean="0">
+                <a:solidFill>
+                  <a:schemeClr val="accent1">
+                    <a:lumMod val="50000"/>
+                  </a:schemeClr>
+                </a:solidFill>
+              </a:rPr>
+              <a:t>走行体に走行中情報を提供する。</a:t>
+            </a:r>
+            <a:endParaRPr lang="en-US" altLang="ja-JP" sz="900" b="1" dirty="0" smtClean="0">
+              <a:solidFill>
+                <a:schemeClr val="accent1">
+                  <a:lumMod val="50000"/>
+                </a:schemeClr>
+              </a:solidFill>
+            </a:endParaRPr>
+          </a:p>
+          <a:p>
+            <a:pPr algn="ctr"/>
+            <a:r>
+              <a:rPr lang="ja-JP" altLang="en-US" sz="900" b="1" dirty="0" smtClean="0">
+                <a:solidFill>
+                  <a:schemeClr val="accent1">
+                    <a:lumMod val="50000"/>
+                  </a:schemeClr>
+                </a:solidFill>
+              </a:rPr>
+              <a:t>ナビゲーションを行う。</a:t>
+            </a:r>
+            <a:endParaRPr lang="en-US" altLang="ja-JP" sz="900" b="1" dirty="0">
+              <a:solidFill>
+                <a:schemeClr val="accent1">
+                  <a:lumMod val="50000"/>
+                </a:schemeClr>
+              </a:solidFill>
+            </a:endParaRPr>
+          </a:p>
+        </p:txBody>
+      </p:sp>
+      <p:sp>
+        <p:nvSpPr>
+          <p:cNvPr id="60" name="角丸四角形 59"/>
+          <p:cNvSpPr/>
+          <p:nvPr/>
+        </p:nvSpPr>
+        <p:spPr>
+          <a:xfrm>
+            <a:off x="7097196" y="5657471"/>
+            <a:ext cx="1749068" cy="307669"/>
+          </a:xfrm>
+          <a:prstGeom prst="roundRect">
+            <a:avLst/>
+          </a:prstGeom>
+          <a:solidFill>
+            <a:schemeClr val="bg1"/>
+          </a:solidFill>
+          <a:ln>
+            <a:solidFill>
+              <a:srgbClr val="0070C0"/>
+            </a:solidFill>
+          </a:ln>
+        </p:spPr>
+        <p:style>
+          <a:lnRef idx="2">
+            <a:schemeClr val="accent1">
+              <a:shade val="50000"/>
+            </a:schemeClr>
+          </a:lnRef>
+          <a:fillRef idx="1">
+            <a:schemeClr val="accent1"/>
+          </a:fillRef>
+          <a:effectRef idx="0">
+            <a:schemeClr val="accent1"/>
+          </a:effectRef>
+          <a:fontRef idx="minor">
+            <a:schemeClr val="lt1"/>
+          </a:fontRef>
+        </p:style>
+        <p:txBody>
+          <a:bodyPr rtlCol="0" anchor="t" anchorCtr="0"/>
+          <a:lstStyle/>
+          <a:p>
+            <a:pPr algn="ctr"/>
+            <a:r>
+              <a:rPr lang="ja-JP" altLang="en-US" sz="900" b="1" dirty="0" smtClean="0">
+                <a:solidFill>
+                  <a:schemeClr val="accent1">
+                    <a:lumMod val="50000"/>
+                  </a:schemeClr>
+                </a:solidFill>
+              </a:rPr>
+              <a:t>収集したセンサー値を集積する</a:t>
+            </a:r>
+            <a:endParaRPr lang="en-US" altLang="ja-JP" sz="900" b="1" dirty="0">
+              <a:solidFill>
+                <a:schemeClr val="accent1">
+                  <a:lumMod val="50000"/>
+                </a:schemeClr>
+              </a:solidFill>
+            </a:endParaRPr>
+          </a:p>
+        </p:txBody>
+      </p:sp>
+      <p:sp>
+        <p:nvSpPr>
+          <p:cNvPr id="68" name="下矢印 67"/>
+          <p:cNvSpPr/>
+          <p:nvPr/>
+        </p:nvSpPr>
+        <p:spPr>
+          <a:xfrm rot="5400000">
+            <a:off x="6837283" y="5944193"/>
+            <a:ext cx="195795" cy="155625"/>
+          </a:xfrm>
+          <a:prstGeom prst="downArrow">
+            <a:avLst/>
+          </a:prstGeom>
+          <a:solidFill>
+            <a:srgbClr val="FFC000"/>
+          </a:solidFill>
+        </p:spPr>
+        <p:style>
+          <a:lnRef idx="2">
+            <a:schemeClr val="accent1">
+              <a:shade val="50000"/>
+            </a:schemeClr>
+          </a:lnRef>
+          <a:fillRef idx="1">
+            <a:schemeClr val="accent1"/>
+          </a:fillRef>
+          <a:effectRef idx="0">
+            <a:schemeClr val="accent1"/>
+          </a:effectRef>
+          <a:fontRef idx="minor">
+            <a:schemeClr val="lt1"/>
+          </a:fontRef>
+        </p:style>
+        <p:txBody>
+          <a:bodyPr rtlCol="0" anchor="ctr"/>
+          <a:lstStyle/>
+          <a:p>
+            <a:pPr algn="ctr"/>
+            <a:endParaRPr kumimoji="1" lang="ja-JP" altLang="en-US" sz="1000" dirty="0" smtClean="0"/>
+          </a:p>
+        </p:txBody>
+      </p:sp>
+      <p:sp>
+        <p:nvSpPr>
+          <p:cNvPr id="59" name="角丸四角形 58"/>
+          <p:cNvSpPr/>
+          <p:nvPr/>
+        </p:nvSpPr>
+        <p:spPr>
+          <a:xfrm>
+            <a:off x="7058957" y="5114030"/>
+            <a:ext cx="1753332" cy="228674"/>
+          </a:xfrm>
+          <a:prstGeom prst="roundRect">
+            <a:avLst/>
+          </a:prstGeom>
+          <a:solidFill>
+            <a:schemeClr val="bg1"/>
+          </a:solidFill>
+          <a:ln>
+            <a:solidFill>
+              <a:srgbClr val="0070C0"/>
+            </a:solidFill>
+          </a:ln>
+        </p:spPr>
+        <p:style>
+          <a:lnRef idx="2">
+            <a:schemeClr val="accent1">
+              <a:shade val="50000"/>
+            </a:schemeClr>
+          </a:lnRef>
+          <a:fillRef idx="1">
+            <a:schemeClr val="accent1"/>
+          </a:fillRef>
+          <a:effectRef idx="0">
+            <a:schemeClr val="accent1"/>
+          </a:effectRef>
+          <a:fontRef idx="minor">
+            <a:schemeClr val="lt1"/>
+          </a:fontRef>
+        </p:style>
+        <p:txBody>
+          <a:bodyPr rtlCol="0" anchor="ctr"/>
+          <a:lstStyle/>
+          <a:p>
+            <a:pPr algn="ctr"/>
+            <a:r>
+              <a:rPr lang="ja-JP" altLang="en-US" sz="900" b="1" dirty="0" smtClean="0">
+                <a:solidFill>
+                  <a:schemeClr val="accent1">
+                    <a:lumMod val="50000"/>
+                  </a:schemeClr>
+                </a:solidFill>
+              </a:rPr>
+              <a:t>キャリブレーションを行う</a:t>
+            </a:r>
+            <a:endParaRPr lang="en-US" altLang="ja-JP" sz="900" b="1" dirty="0">
+              <a:solidFill>
+                <a:schemeClr val="accent1">
+                  <a:lumMod val="50000"/>
+                </a:schemeClr>
+              </a:solidFill>
+            </a:endParaRPr>
+          </a:p>
+        </p:txBody>
+      </p:sp>
+      <p:sp>
+        <p:nvSpPr>
+          <p:cNvPr id="70" name="下矢印 69"/>
+          <p:cNvSpPr/>
+          <p:nvPr/>
+        </p:nvSpPr>
+        <p:spPr>
+          <a:xfrm>
+            <a:off x="7900505" y="5312087"/>
+            <a:ext cx="195795" cy="293751"/>
+          </a:xfrm>
+          <a:prstGeom prst="downArrow">
+            <a:avLst/>
+          </a:prstGeom>
+          <a:solidFill>
+            <a:srgbClr val="FFC000"/>
+          </a:solidFill>
+        </p:spPr>
+        <p:style>
+          <a:lnRef idx="2">
+            <a:schemeClr val="accent1">
+              <a:shade val="50000"/>
+            </a:schemeClr>
+          </a:lnRef>
+          <a:fillRef idx="1">
+            <a:schemeClr val="accent1"/>
+          </a:fillRef>
+          <a:effectRef idx="0">
+            <a:schemeClr val="accent1"/>
+          </a:effectRef>
+          <a:fontRef idx="minor">
+            <a:schemeClr val="lt1"/>
+          </a:fontRef>
+        </p:style>
+        <p:txBody>
+          <a:bodyPr rtlCol="0" anchor="ctr"/>
+          <a:lstStyle/>
+          <a:p>
+            <a:pPr algn="ctr"/>
+            <a:endParaRPr kumimoji="1" lang="ja-JP" altLang="en-US" sz="1000" dirty="0" smtClean="0"/>
           </a:p>
         </p:txBody>
       </p:sp>
@@ -7161,7 +8174,7 @@
         </p:nvSpPr>
         <p:spPr>
           <a:xfrm>
-            <a:off x="3100845" y="138794"/>
+            <a:off x="3081096" y="138793"/>
             <a:ext cx="6023883" cy="6580414"/>
           </a:xfrm>
           <a:prstGeom prst="rect">
@@ -7225,7 +8238,7 @@
         </p:blipFill>
         <p:spPr>
           <a:xfrm>
-            <a:off x="3081573" y="390661"/>
+            <a:off x="3097731" y="863101"/>
             <a:ext cx="6007248" cy="3249008"/>
           </a:xfrm>
           <a:prstGeom prst="rect">
@@ -7233,6 +8246,423 @@
           </a:prstGeom>
         </p:spPr>
       </p:pic>
+      <p:sp>
+        <p:nvSpPr>
+          <p:cNvPr id="14" name="テキスト ボックス 13"/>
+          <p:cNvSpPr txBox="1"/>
+          <p:nvPr/>
+        </p:nvSpPr>
+        <p:spPr>
+          <a:xfrm>
+            <a:off x="53341" y="1274837"/>
+            <a:ext cx="2808666" cy="215444"/>
+          </a:xfrm>
+          <a:prstGeom prst="rect">
+            <a:avLst/>
+          </a:prstGeom>
+          <a:noFill/>
+        </p:spPr>
+        <p:txBody>
+          <a:bodyPr wrap="square" rtlCol="0">
+            <a:spAutoFit/>
+          </a:bodyPr>
+          <a:lstStyle/>
+          <a:p>
+            <a:r>
+              <a:rPr lang="en-US" altLang="ja-JP" sz="800" dirty="0" smtClean="0"/>
+              <a:t>3</a:t>
+            </a:r>
+            <a:r>
+              <a:rPr lang="ja-JP" altLang="en-US" sz="800" dirty="0" err="1" smtClean="0"/>
+              <a:t>つの</a:t>
+            </a:r>
+            <a:r>
+              <a:rPr lang="ja-JP" altLang="en-US" sz="800" dirty="0" smtClean="0"/>
+              <a:t>パッケージ</a:t>
+            </a:r>
+            <a:endParaRPr lang="en-US" altLang="ja-JP" sz="800" dirty="0" smtClean="0"/>
+          </a:p>
+        </p:txBody>
+      </p:sp>
+      <p:sp>
+        <p:nvSpPr>
+          <p:cNvPr id="24" name="テキスト ボックス 23"/>
+          <p:cNvSpPr txBox="1"/>
+          <p:nvPr/>
+        </p:nvSpPr>
+        <p:spPr>
+          <a:xfrm>
+            <a:off x="66879" y="1490281"/>
+            <a:ext cx="2808666" cy="461665"/>
+          </a:xfrm>
+          <a:prstGeom prst="rect">
+            <a:avLst/>
+          </a:prstGeom>
+          <a:noFill/>
+        </p:spPr>
+        <p:txBody>
+          <a:bodyPr wrap="square" rtlCol="0">
+            <a:spAutoFit/>
+          </a:bodyPr>
+          <a:lstStyle/>
+          <a:p>
+            <a:r>
+              <a:rPr lang="ja-JP" altLang="en-US" sz="800" dirty="0" smtClean="0">
+                <a:solidFill>
+                  <a:srgbClr val="FF0000"/>
+                </a:solidFill>
+              </a:rPr>
+              <a:t>運転パッケージ</a:t>
+            </a:r>
+            <a:r>
+              <a:rPr lang="ja-JP" altLang="en-US" sz="800" dirty="0" smtClean="0"/>
+              <a:t>には</a:t>
+            </a:r>
+            <a:endParaRPr lang="en-US" altLang="ja-JP" sz="800" dirty="0" smtClean="0"/>
+          </a:p>
+          <a:p>
+            <a:r>
+              <a:rPr lang="en-US" altLang="ja-JP" sz="800" dirty="0" smtClean="0"/>
+              <a:t>Driver</a:t>
+            </a:r>
+            <a:r>
+              <a:rPr lang="ja-JP" altLang="en-US" sz="800" dirty="0" smtClean="0"/>
+              <a:t>クラスがあり、</a:t>
+            </a:r>
+            <a:r>
+              <a:rPr lang="en-US" altLang="ja-JP" sz="800" dirty="0" smtClean="0"/>
+              <a:t>Navigator</a:t>
+            </a:r>
+            <a:r>
+              <a:rPr lang="ja-JP" altLang="en-US" sz="800" dirty="0" smtClean="0"/>
+              <a:t>から提供される情報に従って、状況に対応した走行モードに切り替える。</a:t>
+            </a:r>
+            <a:endParaRPr lang="en-US" altLang="ja-JP" sz="800" dirty="0"/>
+          </a:p>
+        </p:txBody>
+      </p:sp>
+      <p:sp>
+        <p:nvSpPr>
+          <p:cNvPr id="25" name="テキスト ボックス 24"/>
+          <p:cNvSpPr txBox="1"/>
+          <p:nvPr/>
+        </p:nvSpPr>
+        <p:spPr>
+          <a:xfrm>
+            <a:off x="53341" y="2048806"/>
+            <a:ext cx="2808666" cy="1323439"/>
+          </a:xfrm>
+          <a:prstGeom prst="rect">
+            <a:avLst/>
+          </a:prstGeom>
+          <a:noFill/>
+        </p:spPr>
+        <p:txBody>
+          <a:bodyPr wrap="square" rtlCol="0">
+            <a:spAutoFit/>
+          </a:bodyPr>
+          <a:lstStyle/>
+          <a:p>
+            <a:r>
+              <a:rPr lang="ja-JP" altLang="en-US" sz="800" dirty="0" smtClean="0">
+                <a:solidFill>
+                  <a:srgbClr val="FF0000"/>
+                </a:solidFill>
+              </a:rPr>
+              <a:t>ナビゲーターパッケージ</a:t>
+            </a:r>
+            <a:r>
+              <a:rPr lang="ja-JP" altLang="en-US" sz="800" dirty="0" smtClean="0"/>
+              <a:t>には</a:t>
+            </a:r>
+            <a:endParaRPr lang="en-US" altLang="ja-JP" sz="800" dirty="0" smtClean="0"/>
+          </a:p>
+          <a:p>
+            <a:r>
+              <a:rPr lang="en-US" altLang="ja-JP" sz="800" dirty="0" smtClean="0"/>
+              <a:t>Navigator</a:t>
+            </a:r>
+            <a:r>
+              <a:rPr lang="ja-JP" altLang="en-US" sz="800" dirty="0" smtClean="0"/>
+              <a:t>クラス</a:t>
+            </a:r>
+            <a:r>
+              <a:rPr lang="en-US" altLang="ja-JP" sz="800" dirty="0"/>
+              <a:t> </a:t>
+            </a:r>
+            <a:r>
+              <a:rPr lang="ja-JP" altLang="en-US" sz="800" dirty="0" smtClean="0"/>
+              <a:t>および </a:t>
+            </a:r>
+            <a:r>
+              <a:rPr lang="en-US" altLang="ja-JP" sz="800" dirty="0" err="1" smtClean="0"/>
+              <a:t>LineMonitor</a:t>
+            </a:r>
+            <a:r>
+              <a:rPr lang="ja-JP" altLang="en-US" sz="800" dirty="0" smtClean="0"/>
+              <a:t>クラスがある。</a:t>
+            </a:r>
+            <a:endParaRPr lang="en-US" altLang="ja-JP" sz="800" dirty="0" smtClean="0"/>
+          </a:p>
+          <a:p>
+            <a:endParaRPr lang="en-US" altLang="ja-JP" sz="800" dirty="0" smtClean="0"/>
+          </a:p>
+          <a:p>
+            <a:r>
+              <a:rPr lang="en-US" altLang="ja-JP" sz="800" dirty="0" smtClean="0"/>
+              <a:t>Navigator</a:t>
+            </a:r>
+            <a:r>
+              <a:rPr lang="ja-JP" altLang="en-US" sz="800" dirty="0" smtClean="0"/>
+              <a:t>クラスの役割は、全ての入力センサーからの取得したデータを集積し、</a:t>
+            </a:r>
+            <a:r>
+              <a:rPr lang="en-US" altLang="ja-JP" sz="800" dirty="0" smtClean="0"/>
+              <a:t>Driver</a:t>
+            </a:r>
+            <a:r>
+              <a:rPr lang="ja-JP" altLang="en-US" sz="800" dirty="0" smtClean="0"/>
+              <a:t>および走行パッケージへの情報提供を行う。</a:t>
+            </a:r>
+            <a:endParaRPr lang="en-US" altLang="ja-JP" sz="800" dirty="0" smtClean="0"/>
+          </a:p>
+          <a:p>
+            <a:endParaRPr lang="en-US" altLang="ja-JP" sz="800" dirty="0" smtClean="0"/>
+          </a:p>
+          <a:p>
+            <a:r>
+              <a:rPr lang="en-US" altLang="ja-JP" sz="800" dirty="0" err="1" smtClean="0"/>
+              <a:t>LineMonitor</a:t>
+            </a:r>
+            <a:r>
+              <a:rPr lang="ja-JP" altLang="en-US" sz="800" dirty="0" smtClean="0"/>
+              <a:t>クラスは、ラインの認識に特化したクラスで、</a:t>
+            </a:r>
+            <a:r>
+              <a:rPr lang="en-US" altLang="ja-JP" sz="800" dirty="0" smtClean="0"/>
+              <a:t>Navigator</a:t>
+            </a:r>
+            <a:r>
+              <a:rPr lang="ja-JP" altLang="en-US" sz="800" dirty="0" smtClean="0"/>
+              <a:t>の指示に従って、光センサを用いるとともに、データをもとに、ラインのエッジの基準となるしきい値の設定を行う。</a:t>
+            </a:r>
+            <a:endParaRPr lang="en-US" altLang="ja-JP" sz="800" dirty="0" smtClean="0"/>
+          </a:p>
+        </p:txBody>
+      </p:sp>
+      <p:sp>
+        <p:nvSpPr>
+          <p:cNvPr id="26" name="テキスト ボックス 25"/>
+          <p:cNvSpPr txBox="1"/>
+          <p:nvPr/>
+        </p:nvSpPr>
+        <p:spPr>
+          <a:xfrm>
+            <a:off x="66879" y="3498969"/>
+            <a:ext cx="2808666" cy="830997"/>
+          </a:xfrm>
+          <a:prstGeom prst="rect">
+            <a:avLst/>
+          </a:prstGeom>
+          <a:noFill/>
+        </p:spPr>
+        <p:txBody>
+          <a:bodyPr wrap="square" rtlCol="0">
+            <a:spAutoFit/>
+          </a:bodyPr>
+          <a:lstStyle/>
+          <a:p>
+            <a:r>
+              <a:rPr lang="ja-JP" altLang="en-US" sz="800" dirty="0" smtClean="0">
+                <a:solidFill>
+                  <a:srgbClr val="FF0000"/>
+                </a:solidFill>
+              </a:rPr>
+              <a:t>走行パッケージ</a:t>
+            </a:r>
+            <a:r>
+              <a:rPr lang="ja-JP" altLang="en-US" sz="800" dirty="0" smtClean="0"/>
+              <a:t>には</a:t>
+            </a:r>
+            <a:endParaRPr lang="en-US" altLang="ja-JP" sz="800" dirty="0" smtClean="0"/>
+          </a:p>
+          <a:p>
+            <a:r>
+              <a:rPr lang="en-US" altLang="ja-JP" sz="800" dirty="0" smtClean="0"/>
+              <a:t>Task</a:t>
+            </a:r>
+            <a:r>
+              <a:rPr lang="ja-JP" altLang="en-US" sz="800" dirty="0" smtClean="0"/>
+              <a:t>クラスを継承した、それぞれ走行モードに対応したクラスを格納する。</a:t>
+            </a:r>
+            <a:endParaRPr lang="en-US" altLang="ja-JP" sz="800" dirty="0" smtClean="0"/>
+          </a:p>
+          <a:p>
+            <a:endParaRPr lang="en-US" altLang="ja-JP" sz="800" dirty="0" smtClean="0"/>
+          </a:p>
+          <a:p>
+            <a:r>
+              <a:rPr lang="ja-JP" altLang="en-US" sz="800" dirty="0" smtClean="0"/>
+              <a:t>走行パッケージ内の各クラスは、</a:t>
+            </a:r>
+            <a:r>
+              <a:rPr lang="en-US" altLang="ja-JP" sz="800" dirty="0" smtClean="0"/>
+              <a:t>Navigator</a:t>
+            </a:r>
+            <a:r>
+              <a:rPr lang="ja-JP" altLang="en-US" sz="800" dirty="0" smtClean="0"/>
+              <a:t>と連携し、目的に</a:t>
+            </a:r>
+            <a:endParaRPr lang="en-US" altLang="ja-JP" sz="800" dirty="0" smtClean="0"/>
+          </a:p>
+          <a:p>
+            <a:r>
+              <a:rPr lang="ja-JP" altLang="en-US" sz="800" dirty="0" smtClean="0"/>
+              <a:t>応じた走行</a:t>
+            </a:r>
+            <a:r>
+              <a:rPr lang="en-US" altLang="ja-JP" sz="800" dirty="0" smtClean="0"/>
+              <a:t>(</a:t>
+            </a:r>
+            <a:r>
+              <a:rPr lang="ja-JP" altLang="en-US" sz="800" dirty="0" smtClean="0"/>
+              <a:t>＝モータ</a:t>
+            </a:r>
+            <a:r>
+              <a:rPr lang="en-US" altLang="ja-JP" sz="800" dirty="0" smtClean="0"/>
+              <a:t>―</a:t>
+            </a:r>
+            <a:r>
+              <a:rPr lang="ja-JP" altLang="en-US" sz="800" dirty="0" smtClean="0"/>
+              <a:t>の駆動</a:t>
+            </a:r>
+            <a:r>
+              <a:rPr lang="en-US" altLang="ja-JP" sz="800" dirty="0" smtClean="0"/>
+              <a:t>)</a:t>
+            </a:r>
+            <a:r>
+              <a:rPr lang="ja-JP" altLang="en-US" sz="800" dirty="0" smtClean="0"/>
+              <a:t>を実現することである。</a:t>
+            </a:r>
+            <a:endParaRPr lang="en-US" altLang="ja-JP" sz="800" dirty="0" smtClean="0"/>
+          </a:p>
+        </p:txBody>
+      </p:sp>
+      <p:sp>
+        <p:nvSpPr>
+          <p:cNvPr id="27" name="テキスト ボックス 26"/>
+          <p:cNvSpPr txBox="1"/>
+          <p:nvPr/>
+        </p:nvSpPr>
+        <p:spPr>
+          <a:xfrm>
+            <a:off x="6739218" y="4329966"/>
+            <a:ext cx="1886622" cy="338554"/>
+          </a:xfrm>
+          <a:prstGeom prst="rect">
+            <a:avLst/>
+          </a:prstGeom>
+          <a:noFill/>
+        </p:spPr>
+        <p:txBody>
+          <a:bodyPr wrap="square" rtlCol="0">
+            <a:spAutoFit/>
+          </a:bodyPr>
+          <a:lstStyle/>
+          <a:p>
+            <a:r>
+              <a:rPr lang="ja-JP" altLang="en-US" sz="800" dirty="0" smtClean="0"/>
+              <a:t>安定スタートの主役は</a:t>
+            </a:r>
+            <a:r>
+              <a:rPr lang="en-US" altLang="ja-JP" sz="800" dirty="0" err="1" smtClean="0"/>
+              <a:t>ReadyToStart</a:t>
+            </a:r>
+            <a:r>
+              <a:rPr lang="ja-JP" altLang="en-US" sz="800" dirty="0" smtClean="0"/>
+              <a:t>と</a:t>
+            </a:r>
+            <a:r>
+              <a:rPr lang="en-US" altLang="ja-JP" sz="800" dirty="0" err="1" smtClean="0"/>
+              <a:t>StartToDash</a:t>
+            </a:r>
+            <a:r>
+              <a:rPr lang="ja-JP" altLang="en-US" sz="800" dirty="0" smtClean="0"/>
+              <a:t>の</a:t>
+            </a:r>
+            <a:r>
+              <a:rPr lang="en-US" altLang="ja-JP" sz="800" dirty="0" smtClean="0"/>
+              <a:t>2</a:t>
+            </a:r>
+            <a:r>
+              <a:rPr lang="ja-JP" altLang="en-US" sz="800" dirty="0" err="1" smtClean="0"/>
+              <a:t>つの</a:t>
+            </a:r>
+            <a:r>
+              <a:rPr lang="ja-JP" altLang="en-US" sz="800" dirty="0" smtClean="0"/>
+              <a:t>クラス</a:t>
+            </a:r>
+            <a:endParaRPr lang="en-US" altLang="ja-JP" sz="800" dirty="0" smtClean="0"/>
+          </a:p>
+        </p:txBody>
+      </p:sp>
+      <p:sp>
+        <p:nvSpPr>
+          <p:cNvPr id="28" name="テキスト ボックス 27"/>
+          <p:cNvSpPr txBox="1"/>
+          <p:nvPr/>
+        </p:nvSpPr>
+        <p:spPr>
+          <a:xfrm>
+            <a:off x="3246891" y="4329966"/>
+            <a:ext cx="2305232" cy="584775"/>
+          </a:xfrm>
+          <a:prstGeom prst="rect">
+            <a:avLst/>
+          </a:prstGeom>
+          <a:noFill/>
+        </p:spPr>
+        <p:txBody>
+          <a:bodyPr wrap="square" rtlCol="0">
+            <a:spAutoFit/>
+          </a:bodyPr>
+          <a:lstStyle/>
+          <a:p>
+            <a:r>
+              <a:rPr lang="ja-JP" altLang="en-US" sz="800" dirty="0" smtClean="0"/>
+              <a:t>ライントレースの主役は、</a:t>
+            </a:r>
+            <a:r>
+              <a:rPr lang="en-US" altLang="ja-JP" sz="800" dirty="0" err="1" smtClean="0"/>
+              <a:t>LineTracer</a:t>
+            </a:r>
+            <a:r>
+              <a:rPr lang="ja-JP" altLang="en-US" sz="800" dirty="0" smtClean="0"/>
+              <a:t>であるが、</a:t>
+            </a:r>
+            <a:endParaRPr lang="en-US" altLang="ja-JP" sz="800" dirty="0" smtClean="0"/>
+          </a:p>
+          <a:p>
+            <a:r>
+              <a:rPr lang="en-US" altLang="ja-JP" sz="800" dirty="0" smtClean="0"/>
+              <a:t>Navigator</a:t>
+            </a:r>
+            <a:r>
+              <a:rPr lang="ja-JP" altLang="en-US" sz="800" dirty="0" smtClean="0"/>
+              <a:t>クラスからの情報にしたがって、走行スピードおよび</a:t>
+            </a:r>
+            <a:r>
+              <a:rPr lang="en-US" altLang="ja-JP" sz="800" dirty="0" smtClean="0"/>
+              <a:t>PID</a:t>
+            </a:r>
+            <a:r>
+              <a:rPr lang="ja-JP" altLang="en-US" sz="800" dirty="0" smtClean="0"/>
+              <a:t>制御のパラメータを変更させながら、走行を行う。</a:t>
+            </a:r>
+            <a:endParaRPr lang="en-US" altLang="ja-JP" sz="800" dirty="0" smtClean="0"/>
+          </a:p>
+        </p:txBody>
+      </p:sp>
     </p:spTree>
     <p:extLst>
       <p:ext uri="{BB962C8B-B14F-4D97-AF65-F5344CB8AC3E}">
@@ -7702,7 +9132,7 @@
         </p:nvSpPr>
         <p:spPr>
           <a:xfrm>
-            <a:off x="3100845" y="138794"/>
+            <a:off x="3063037" y="138793"/>
             <a:ext cx="6023883" cy="6580414"/>
           </a:xfrm>
           <a:prstGeom prst="rect">
@@ -7747,6 +9177,218 @@
               <a:latin typeface="游ゴシック" panose="020B0400000000000000" pitchFamily="50" charset="-128"/>
               <a:ea typeface="游ゴシック" panose="020B0400000000000000" pitchFamily="50" charset="-128"/>
             </a:endParaRPr>
+          </a:p>
+        </p:txBody>
+      </p:sp>
+      <p:sp>
+        <p:nvSpPr>
+          <p:cNvPr id="13" name="正方形/長方形 12"/>
+          <p:cNvSpPr/>
+          <p:nvPr/>
+        </p:nvSpPr>
+        <p:spPr>
+          <a:xfrm>
+            <a:off x="3185950" y="217587"/>
+            <a:ext cx="5853671" cy="1489293"/>
+          </a:xfrm>
+          <a:prstGeom prst="rect">
+            <a:avLst/>
+          </a:prstGeom>
+          <a:noFill/>
+        </p:spPr>
+        <p:style>
+          <a:lnRef idx="2">
+            <a:schemeClr val="accent1">
+              <a:shade val="50000"/>
+            </a:schemeClr>
+          </a:lnRef>
+          <a:fillRef idx="1">
+            <a:schemeClr val="accent1"/>
+          </a:fillRef>
+          <a:effectRef idx="0">
+            <a:schemeClr val="accent1"/>
+          </a:effectRef>
+          <a:fontRef idx="minor">
+            <a:schemeClr val="lt1"/>
+          </a:fontRef>
+        </p:style>
+        <p:txBody>
+          <a:bodyPr rtlCol="0" anchor="ctr"/>
+          <a:lstStyle/>
+          <a:p>
+            <a:pPr algn="ctr"/>
+            <a:endParaRPr kumimoji="1" lang="ja-JP" altLang="en-US"/>
+          </a:p>
+        </p:txBody>
+      </p:sp>
+      <p:sp>
+        <p:nvSpPr>
+          <p:cNvPr id="27" name="正方形/長方形 26"/>
+          <p:cNvSpPr/>
+          <p:nvPr/>
+        </p:nvSpPr>
+        <p:spPr>
+          <a:xfrm>
+            <a:off x="3185950" y="1800913"/>
+            <a:ext cx="5853671" cy="4737047"/>
+          </a:xfrm>
+          <a:prstGeom prst="rect">
+            <a:avLst/>
+          </a:prstGeom>
+          <a:noFill/>
+        </p:spPr>
+        <p:style>
+          <a:lnRef idx="2">
+            <a:schemeClr val="accent1">
+              <a:shade val="50000"/>
+            </a:schemeClr>
+          </a:lnRef>
+          <a:fillRef idx="1">
+            <a:schemeClr val="accent1"/>
+          </a:fillRef>
+          <a:effectRef idx="0">
+            <a:schemeClr val="accent1"/>
+          </a:effectRef>
+          <a:fontRef idx="minor">
+            <a:schemeClr val="lt1"/>
+          </a:fontRef>
+        </p:style>
+        <p:txBody>
+          <a:bodyPr rtlCol="0" anchor="ctr"/>
+          <a:lstStyle/>
+          <a:p>
+            <a:pPr algn="ctr"/>
+            <a:endParaRPr kumimoji="1" lang="ja-JP" altLang="en-US"/>
+          </a:p>
+        </p:txBody>
+      </p:sp>
+      <p:sp>
+        <p:nvSpPr>
+          <p:cNvPr id="28" name="テキスト ボックス 27"/>
+          <p:cNvSpPr txBox="1"/>
+          <p:nvPr/>
+        </p:nvSpPr>
+        <p:spPr>
+          <a:xfrm>
+            <a:off x="3217157" y="4169436"/>
+            <a:ext cx="1238906" cy="415498"/>
+          </a:xfrm>
+          <a:prstGeom prst="rect">
+            <a:avLst/>
+          </a:prstGeom>
+          <a:noFill/>
+        </p:spPr>
+        <p:txBody>
+          <a:bodyPr wrap="square" rtlCol="0">
+            <a:spAutoFit/>
+          </a:bodyPr>
+          <a:lstStyle/>
+          <a:p>
+            <a:r>
+              <a:rPr lang="en-US" altLang="ja-JP" sz="700" dirty="0" err="1" smtClean="0"/>
+              <a:t>LineTracer</a:t>
+            </a:r>
+            <a:r>
+              <a:rPr lang="ja-JP" altLang="en-US" sz="700" dirty="0" smtClean="0"/>
+              <a:t>はあらかじめ、速度に対応した</a:t>
+            </a:r>
+            <a:r>
+              <a:rPr lang="en-US" altLang="ja-JP" sz="700" dirty="0" smtClean="0"/>
+              <a:t>PID</a:t>
+            </a:r>
+            <a:r>
+              <a:rPr lang="ja-JP" altLang="en-US" sz="700" dirty="0" smtClean="0"/>
+              <a:t>オブジェクトを配列に格納している。</a:t>
+            </a:r>
+            <a:endParaRPr lang="en-US" altLang="ja-JP" sz="700" dirty="0" smtClean="0"/>
+          </a:p>
+        </p:txBody>
+      </p:sp>
+      <p:pic>
+        <p:nvPicPr>
+          <p:cNvPr id="3" name="図 2"/>
+          <p:cNvPicPr>
+            <a:picLocks noChangeAspect="1"/>
+          </p:cNvPicPr>
+          <p:nvPr/>
+        </p:nvPicPr>
+        <p:blipFill>
+          <a:blip r:embed="rId8"/>
+          <a:stretch>
+            <a:fillRect/>
+          </a:stretch>
+        </p:blipFill>
+        <p:spPr>
+          <a:xfrm>
+            <a:off x="3185950" y="2012976"/>
+            <a:ext cx="4475890" cy="2082089"/>
+          </a:xfrm>
+          <a:prstGeom prst="rect">
+            <a:avLst/>
+          </a:prstGeom>
+        </p:spPr>
+      </p:pic>
+      <p:sp>
+        <p:nvSpPr>
+          <p:cNvPr id="29" name="テキスト ボックス 28"/>
+          <p:cNvSpPr txBox="1"/>
+          <p:nvPr/>
+        </p:nvSpPr>
+        <p:spPr>
+          <a:xfrm>
+            <a:off x="3217157" y="217587"/>
+            <a:ext cx="1238906" cy="200055"/>
+          </a:xfrm>
+          <a:prstGeom prst="rect">
+            <a:avLst/>
+          </a:prstGeom>
+          <a:noFill/>
+        </p:spPr>
+        <p:txBody>
+          <a:bodyPr wrap="square" rtlCol="0">
+            <a:spAutoFit/>
+          </a:bodyPr>
+          <a:lstStyle/>
+          <a:p>
+            <a:r>
+              <a:rPr lang="ja-JP" altLang="en-US" sz="700" dirty="0" smtClean="0"/>
+              <a:t>安定スタート</a:t>
+            </a:r>
+            <a:endParaRPr lang="en-US" altLang="ja-JP" sz="700" dirty="0" smtClean="0"/>
+          </a:p>
+        </p:txBody>
+      </p:sp>
+      <p:sp>
+        <p:nvSpPr>
+          <p:cNvPr id="30" name="テキスト ボックス 29"/>
+          <p:cNvSpPr txBox="1"/>
+          <p:nvPr/>
+        </p:nvSpPr>
+        <p:spPr>
+          <a:xfrm>
+            <a:off x="3217157" y="1831729"/>
+            <a:ext cx="1238906" cy="200055"/>
+          </a:xfrm>
+          <a:prstGeom prst="rect">
+            <a:avLst/>
+          </a:prstGeom>
+          <a:noFill/>
+        </p:spPr>
+        <p:txBody>
+          <a:bodyPr wrap="square" rtlCol="0">
+            <a:spAutoFit/>
+          </a:bodyPr>
+          <a:lstStyle/>
+          <a:p>
+            <a:r>
+              <a:rPr lang="ja-JP" altLang="en-US" sz="700" dirty="0" smtClean="0"/>
+              <a:t>ライン</a:t>
+            </a:r>
+            <a:r>
+              <a:rPr lang="ja-JP" altLang="en-US" sz="700" dirty="0"/>
+              <a:t>トレース</a:t>
+            </a:r>
+            <a:endParaRPr lang="en-US" altLang="ja-JP" sz="700" dirty="0" smtClean="0"/>
           </a:p>
         </p:txBody>
       </p:sp>
@@ -8291,6 +9933,36 @@
       </p:par>
     </p:tnLst>
   </p:timing>
+</p:sld>
+</file>
+
+<file path=ppt/slides/slide6.xml><?xml version="1.0" encoding="utf-8"?>
+<p:sld xmlns:a="http://schemas.openxmlformats.org/drawingml/2006/main" xmlns:r="http://schemas.openxmlformats.org/officeDocument/2006/relationships" xmlns:p="http://schemas.openxmlformats.org/presentationml/2006/main">
+  <p:cSld>
+    <p:spTree>
+      <p:nvGrpSpPr>
+        <p:cNvPr id="1" name=""/>
+        <p:cNvGrpSpPr/>
+        <p:nvPr/>
+      </p:nvGrpSpPr>
+      <p:grpSpPr>
+        <a:xfrm>
+          <a:off x="0" y="0"/>
+          <a:ext cx="0" cy="0"/>
+          <a:chOff x="0" y="0"/>
+          <a:chExt cx="0" cy="0"/>
+        </a:xfrm>
+      </p:grpSpPr>
+    </p:spTree>
+    <p:extLst>
+      <p:ext uri="{BB962C8B-B14F-4D97-AF65-F5344CB8AC3E}">
+        <p14:creationId xmlns:p14="http://schemas.microsoft.com/office/powerpoint/2010/main" val="849638668"/>
+      </p:ext>
+    </p:extLst>
+  </p:cSld>
+  <p:clrMapOvr>
+    <a:masterClrMapping/>
+  </p:clrMapOvr>
 </p:sld>
 </file>
 
@@ -8545,7 +10217,37 @@
       </a:bgFillStyleLst>
     </a:fmtScheme>
   </a:themeElements>
-  <a:objectDefaults/>
+  <a:objectDefaults>
+    <a:spDef>
+      <a:spPr>
+        <a:solidFill>
+          <a:srgbClr val="FFC000"/>
+        </a:solidFill>
+      </a:spPr>
+      <a:bodyPr rtlCol="0" anchor="ctr"/>
+      <a:lstStyle>
+        <a:defPPr algn="ctr">
+          <a:defRPr kumimoji="1" sz="1000" dirty="0" smtClean="0"/>
+        </a:defPPr>
+      </a:lstStyle>
+      <a:style>
+        <a:lnRef idx="2">
+          <a:schemeClr val="accent1">
+            <a:shade val="50000"/>
+          </a:schemeClr>
+        </a:lnRef>
+        <a:fillRef idx="1">
+          <a:schemeClr val="accent1"/>
+        </a:fillRef>
+        <a:effectRef idx="0">
+          <a:schemeClr val="accent1"/>
+        </a:effectRef>
+        <a:fontRef idx="minor">
+          <a:schemeClr val="lt1"/>
+        </a:fontRef>
+      </a:style>
+    </a:spDef>
+  </a:objectDefaults>
   <a:extraClrSchemeLst/>
   <a:extLst>
     <a:ext uri="{05A4C25C-085E-4340-85A3-A5531E510DB2}">
